--- a/week_5/ppt/MinhyeokYun.pptx
+++ b/week_5/ppt/MinhyeokYun.pptx
@@ -6,13 +6,12 @@
     <p:sldMasterId id="2147483648" r:id="rId2"/>
   </p:sldMasterIdLst>
   <p:sldIdLst>
-    <p:sldId id="259" r:id="rId3"/>
+    <p:sldId id="258" r:id="rId3"/>
     <p:sldId id="257" r:id="rId4"/>
-    <p:sldId id="258" r:id="rId5"/>
-    <p:sldId id="261" r:id="rId6"/>
-    <p:sldId id="262" r:id="rId7"/>
-    <p:sldId id="263" r:id="rId8"/>
-    <p:sldId id="264" r:id="rId9"/>
+    <p:sldId id="256" r:id="rId5"/>
+    <p:sldId id="260" r:id="rId6"/>
+    <p:sldId id="261" r:id="rId7"/>
+    <p:sldId id="259" r:id="rId8"/>
   </p:sldIdLst>
   <p:sldSz cx="12192000" cy="6858000"/>
   <p:notesSz cx="6858000" cy="9144000"/>
@@ -122,7 +121,7 @@
 <file path=ppt/revisionInfo.xml><?xml version="1.0" encoding="utf-8"?>
 <p1510:revInfo xmlns:a="http://schemas.openxmlformats.org/drawingml/2006/main" xmlns:r="http://schemas.openxmlformats.org/officeDocument/2006/relationships" xmlns:p1510="http://schemas.microsoft.com/office/powerpoint/2015/10/main">
   <p1510:revLst>
-    <p1510:client id="{05622F95-1A4D-4DF2-A85F-FDD9EF0389AB}" v="853" dt="2023-02-09T06:35:30.992"/>
+    <p1510:client id="{A44158BE-3389-4CF1-9029-B0AB57EB1546}" v="939" dt="2023-02-16T06:00:40.783"/>
   </p1510:revLst>
 </p1510:revInfo>
 </file>
@@ -258,7 +257,7 @@
           <a:p>
             <a:fld id="{846CE7D5-CF57-46EF-B807-FDD0502418D4}" type="datetimeFigureOut">
               <a:rPr lang="en-US" smtClean="0"/>
-              <a:t>2/8/2023</a:t>
+              <a:t>2/15/2023</a:t>
             </a:fld>
             <a:endParaRPr lang="en-US"/>
           </a:p>
@@ -428,7 +427,7 @@
           <a:p>
             <a:fld id="{846CE7D5-CF57-46EF-B807-FDD0502418D4}" type="datetimeFigureOut">
               <a:rPr lang="en-US" smtClean="0"/>
-              <a:t>2/8/2023</a:t>
+              <a:t>2/15/2023</a:t>
             </a:fld>
             <a:endParaRPr lang="en-US"/>
           </a:p>
@@ -608,7 +607,7 @@
           <a:p>
             <a:fld id="{846CE7D5-CF57-46EF-B807-FDD0502418D4}" type="datetimeFigureOut">
               <a:rPr lang="en-US" smtClean="0"/>
-              <a:t>2/8/2023</a:t>
+              <a:t>2/15/2023</a:t>
             </a:fld>
             <a:endParaRPr lang="en-US"/>
           </a:p>
@@ -905,7 +904,7 @@
             <a:fld id="{28528733-874D-48F8-93E4-3C99192ED6E1}" type="datetimeFigureOut">
               <a:rPr lang="ko-KR" altLang="en-US" smtClean="0"/>
               <a:pPr/>
-              <a:t>2023-02-08</a:t>
+              <a:t>2023-02-15</a:t>
             </a:fld>
             <a:endParaRPr lang="ko-KR" altLang="en-US"/>
           </a:p>
@@ -1245,7 +1244,7 @@
             <a:fld id="{28528733-874D-48F8-93E4-3C99192ED6E1}" type="datetimeFigureOut">
               <a:rPr lang="ko-KR" altLang="en-US" smtClean="0"/>
               <a:pPr/>
-              <a:t>2023-02-08</a:t>
+              <a:t>2023-02-15</a:t>
             </a:fld>
             <a:endParaRPr lang="ko-KR" altLang="en-US"/>
           </a:p>
@@ -1581,7 +1580,7 @@
             <a:fld id="{28528733-874D-48F8-93E4-3C99192ED6E1}" type="datetimeFigureOut">
               <a:rPr lang="ko-KR" altLang="en-US" smtClean="0"/>
               <a:pPr/>
-              <a:t>2023-02-08</a:t>
+              <a:t>2023-02-15</a:t>
             </a:fld>
             <a:endParaRPr lang="ko-KR" altLang="en-US"/>
           </a:p>
@@ -1991,7 +1990,7 @@
             <a:fld id="{28528733-874D-48F8-93E4-3C99192ED6E1}" type="datetimeFigureOut">
               <a:rPr lang="ko-KR" altLang="en-US" smtClean="0"/>
               <a:pPr/>
-              <a:t>2023-02-08</a:t>
+              <a:t>2023-02-15</a:t>
             </a:fld>
             <a:endParaRPr lang="ko-KR" altLang="en-US"/>
           </a:p>
@@ -2412,7 +2411,7 @@
             <a:fld id="{28528733-874D-48F8-93E4-3C99192ED6E1}" type="datetimeFigureOut">
               <a:rPr lang="ko-KR" altLang="en-US" smtClean="0"/>
               <a:pPr/>
-              <a:t>2023-02-08</a:t>
+              <a:t>2023-02-15</a:t>
             </a:fld>
             <a:endParaRPr lang="ko-KR" altLang="en-US"/>
           </a:p>
@@ -2531,7 +2530,7 @@
             <a:fld id="{28528733-874D-48F8-93E4-3C99192ED6E1}" type="datetimeFigureOut">
               <a:rPr lang="ko-KR" altLang="en-US" smtClean="0"/>
               <a:pPr/>
-              <a:t>2023-02-08</a:t>
+              <a:t>2023-02-15</a:t>
             </a:fld>
             <a:endParaRPr lang="ko-KR" altLang="en-US"/>
           </a:p>
@@ -2628,7 +2627,7 @@
             <a:fld id="{28528733-874D-48F8-93E4-3C99192ED6E1}" type="datetimeFigureOut">
               <a:rPr lang="ko-KR" altLang="en-US" smtClean="0"/>
               <a:pPr/>
-              <a:t>2023-02-08</a:t>
+              <a:t>2023-02-15</a:t>
             </a:fld>
             <a:endParaRPr lang="ko-KR" altLang="en-US"/>
           </a:p>
@@ -2905,7 +2904,7 @@
             <a:fld id="{28528733-874D-48F8-93E4-3C99192ED6E1}" type="datetimeFigureOut">
               <a:rPr lang="ko-KR" altLang="en-US" smtClean="0"/>
               <a:pPr/>
-              <a:t>2023-02-08</a:t>
+              <a:t>2023-02-15</a:t>
             </a:fld>
             <a:endParaRPr lang="ko-KR" altLang="en-US"/>
           </a:p>
@@ -3076,7 +3075,7 @@
           <a:p>
             <a:fld id="{846CE7D5-CF57-46EF-B807-FDD0502418D4}" type="datetimeFigureOut">
               <a:rPr lang="en-US" smtClean="0"/>
-              <a:t>2/8/2023</a:t>
+              <a:t>2/15/2023</a:t>
             </a:fld>
             <a:endParaRPr lang="en-US"/>
           </a:p>
@@ -3329,7 +3328,7 @@
             <a:fld id="{28528733-874D-48F8-93E4-3C99192ED6E1}" type="datetimeFigureOut">
               <a:rPr lang="ko-KR" altLang="en-US" smtClean="0"/>
               <a:pPr/>
-              <a:t>2023-02-08</a:t>
+              <a:t>2023-02-15</a:t>
             </a:fld>
             <a:endParaRPr lang="ko-KR" altLang="en-US"/>
           </a:p>
@@ -3499,7 +3498,7 @@
             <a:fld id="{28528733-874D-48F8-93E4-3C99192ED6E1}" type="datetimeFigureOut">
               <a:rPr lang="ko-KR" altLang="en-US" smtClean="0"/>
               <a:pPr/>
-              <a:t>2023-02-08</a:t>
+              <a:t>2023-02-15</a:t>
             </a:fld>
             <a:endParaRPr lang="ko-KR" altLang="en-US"/>
           </a:p>
@@ -3679,7 +3678,7 @@
             <a:fld id="{28528733-874D-48F8-93E4-3C99192ED6E1}" type="datetimeFigureOut">
               <a:rPr lang="ko-KR" altLang="en-US" smtClean="0"/>
               <a:pPr/>
-              <a:t>2023-02-08</a:t>
+              <a:t>2023-02-15</a:t>
             </a:fld>
             <a:endParaRPr lang="ko-KR" altLang="en-US"/>
           </a:p>
@@ -3926,7 +3925,7 @@
           <a:p>
             <a:fld id="{846CE7D5-CF57-46EF-B807-FDD0502418D4}" type="datetimeFigureOut">
               <a:rPr lang="en-US" smtClean="0"/>
-              <a:t>2/8/2023</a:t>
+              <a:t>2/15/2023</a:t>
             </a:fld>
             <a:endParaRPr lang="en-US"/>
           </a:p>
@@ -4158,7 +4157,7 @@
           <a:p>
             <a:fld id="{846CE7D5-CF57-46EF-B807-FDD0502418D4}" type="datetimeFigureOut">
               <a:rPr lang="en-US" smtClean="0"/>
-              <a:t>2/8/2023</a:t>
+              <a:t>2/15/2023</a:t>
             </a:fld>
             <a:endParaRPr lang="en-US"/>
           </a:p>
@@ -4525,7 +4524,7 @@
           <a:p>
             <a:fld id="{846CE7D5-CF57-46EF-B807-FDD0502418D4}" type="datetimeFigureOut">
               <a:rPr lang="en-US" smtClean="0"/>
-              <a:t>2/8/2023</a:t>
+              <a:t>2/15/2023</a:t>
             </a:fld>
             <a:endParaRPr lang="en-US"/>
           </a:p>
@@ -4643,7 +4642,7 @@
           <a:p>
             <a:fld id="{846CE7D5-CF57-46EF-B807-FDD0502418D4}" type="datetimeFigureOut">
               <a:rPr lang="en-US" smtClean="0"/>
-              <a:t>2/8/2023</a:t>
+              <a:t>2/15/2023</a:t>
             </a:fld>
             <a:endParaRPr lang="en-US"/>
           </a:p>
@@ -4738,7 +4737,7 @@
           <a:p>
             <a:fld id="{846CE7D5-CF57-46EF-B807-FDD0502418D4}" type="datetimeFigureOut">
               <a:rPr lang="en-US" smtClean="0"/>
-              <a:t>2/8/2023</a:t>
+              <a:t>2/15/2023</a:t>
             </a:fld>
             <a:endParaRPr lang="en-US"/>
           </a:p>
@@ -5015,7 +5014,7 @@
           <a:p>
             <a:fld id="{846CE7D5-CF57-46EF-B807-FDD0502418D4}" type="datetimeFigureOut">
               <a:rPr lang="en-US" smtClean="0"/>
-              <a:t>2/8/2023</a:t>
+              <a:t>2/15/2023</a:t>
             </a:fld>
             <a:endParaRPr lang="en-US"/>
           </a:p>
@@ -5272,7 +5271,7 @@
           <a:p>
             <a:fld id="{846CE7D5-CF57-46EF-B807-FDD0502418D4}" type="datetimeFigureOut">
               <a:rPr lang="en-US" smtClean="0"/>
-              <a:t>2/8/2023</a:t>
+              <a:t>2/15/2023</a:t>
             </a:fld>
             <a:endParaRPr lang="en-US"/>
           </a:p>
@@ -5485,7 +5484,7 @@
           <a:p>
             <a:fld id="{846CE7D5-CF57-46EF-B807-FDD0502418D4}" type="datetimeFigureOut">
               <a:rPr lang="en-US" smtClean="0"/>
-              <a:t>2/8/2023</a:t>
+              <a:t>2/15/2023</a:t>
             </a:fld>
             <a:endParaRPr lang="en-US"/>
           </a:p>
@@ -6024,7 +6023,7 @@
             <a:fld id="{28528733-874D-48F8-93E4-3C99192ED6E1}" type="datetimeFigureOut">
               <a:rPr lang="ko-KR" altLang="en-US" smtClean="0"/>
               <a:pPr/>
-              <a:t>2023-02-08</a:t>
+              <a:t>2023-02-15</a:t>
             </a:fld>
             <a:endParaRPr lang="ko-KR" altLang="en-US"/>
           </a:p>
@@ -6422,11 +6421,14 @@
           <a:lstStyle/>
           <a:p>
             <a:r>
-              <a:rPr lang="en-US" altLang="en-US" dirty="0">
+              <a:rPr lang="ko-Kore-KR" altLang="en-US">
                 <a:ea typeface="맑은 고딕"/>
               </a:rPr>
-              <a:t>Algorithm Study </a:t>
-            </a:r>
+              <a:t>Algorithm Study</a:t>
+            </a:r>
+            <a:endParaRPr lang="en-US" altLang="en-US">
+              <a:ea typeface="맑은 고딕"/>
+            </a:endParaRPr>
           </a:p>
         </p:txBody>
       </p:sp>
@@ -6446,12 +6448,7 @@
             <p:ph type="subTitle" idx="1"/>
           </p:nvPr>
         </p:nvSpPr>
-        <p:spPr>
-          <a:xfrm>
-            <a:off x="3167675" y="5219655"/>
-            <a:ext cx="5856651" cy="553616"/>
-          </a:xfrm>
-        </p:spPr>
+        <p:spPr/>
         <p:txBody>
           <a:bodyPr vert="horz" lIns="91440" tIns="45720" rIns="91440" bIns="45720" rtlCol="0" anchor="t">
             <a:normAutofit/>
@@ -6471,7 +6468,7 @@
     </p:spTree>
     <p:extLst>
       <p:ext uri="{BB962C8B-B14F-4D97-AF65-F5344CB8AC3E}">
-        <p14:creationId xmlns:p14="http://schemas.microsoft.com/office/powerpoint/2010/main" val="1794697143"/>
+        <p14:creationId xmlns:p14="http://schemas.microsoft.com/office/powerpoint/2010/main" val="2550074093"/>
       </p:ext>
     </p:extLst>
   </p:cSld>
@@ -6523,16 +6520,34 @@
               <a:rPr lang="ko-Kore-KR" altLang="en-US" dirty="0" err="1">
                 <a:ea typeface="맑은 고딕"/>
               </a:rPr>
-              <a:t>튜플</a:t>
-            </a:r>
-            <a:endParaRPr kumimoji="1" lang="ko-Kore-KR" altLang="en-US" dirty="0" err="1"/>
+              <a:t>점프와</a:t>
+            </a:r>
+            <a:r>
+              <a:rPr lang="ko-Kore-KR" altLang="en-US" dirty="0">
+                <a:ea typeface="맑은 고딕"/>
+              </a:rPr>
+              <a:t> </a:t>
+            </a:r>
+            <a:r>
+              <a:rPr lang="ko-Kore-KR" altLang="en-US" dirty="0" err="1">
+                <a:ea typeface="맑은 고딕"/>
+              </a:rPr>
+              <a:t>순간</a:t>
+            </a:r>
+            <a:r>
+              <a:rPr lang="ko-Kore-KR" altLang="en-US" dirty="0">
+                <a:ea typeface="맑은 고딕"/>
+              </a:rPr>
+              <a:t> 이동</a:t>
+            </a:r>
+            <a:endParaRPr kumimoji="1" lang="ko-Kore-KR" altLang="en-US" dirty="0"/>
           </a:p>
         </p:txBody>
       </p:sp>
     </p:spTree>
     <p:extLst>
       <p:ext uri="{BB962C8B-B14F-4D97-AF65-F5344CB8AC3E}">
-        <p14:creationId xmlns:p14="http://schemas.microsoft.com/office/powerpoint/2010/main" val="1386065247"/>
+        <p14:creationId xmlns:p14="http://schemas.microsoft.com/office/powerpoint/2010/main" val="2868310667"/>
       </p:ext>
     </p:extLst>
   </p:cSld>
@@ -6581,12 +6596,32 @@
           <a:lstStyle/>
           <a:p>
             <a:r>
+              <a:rPr lang="ko-Kore-KR" altLang="en-US" dirty="0" err="1">
+                <a:ea typeface="맑은 고딕"/>
+              </a:rPr>
+              <a:t>점프와</a:t>
+            </a:r>
+            <a:r>
+              <a:rPr lang="ko-Kore-KR" altLang="en-US" dirty="0">
+                <a:ea typeface="맑은 고딕"/>
+              </a:rPr>
+              <a:t> </a:t>
+            </a:r>
+            <a:r>
+              <a:rPr lang="ko-Kore-KR" altLang="en-US" dirty="0" err="1">
+                <a:ea typeface="맑은 고딕"/>
+              </a:rPr>
+              <a:t>순간</a:t>
+            </a:r>
+            <a:r>
               <a:rPr lang="ko-Kore-KR" altLang="en-US">
                 <a:ea typeface="맑은 고딕"/>
               </a:rPr>
-              <a:t>튜플</a:t>
-            </a:r>
-            <a:endParaRPr kumimoji="1" lang="ko-Kore-KR" altLang="en-US" dirty="0"/>
+              <a:t> 이동</a:t>
+            </a:r>
+            <a:endParaRPr lang="en-US" altLang="en-US">
+              <a:ea typeface="맑은 고딕"/>
+            </a:endParaRPr>
           </a:p>
         </p:txBody>
       </p:sp>
@@ -6595,7 +6630,7 @@
           <p:cNvPr id="5" name="Picture 5" descr="Text&#10;&#10;Description automatically generated">
             <a:extLst>
               <a:ext uri="{FF2B5EF4-FFF2-40B4-BE49-F238E27FC236}">
-                <a16:creationId xmlns:a16="http://schemas.microsoft.com/office/drawing/2014/main" id="{315D5981-7177-23E8-1031-3251444B3F3B}"/>
+                <a16:creationId xmlns:a16="http://schemas.microsoft.com/office/drawing/2014/main" id="{E673F1EF-37A2-7E05-64C9-A78AABD62ABE}"/>
               </a:ext>
             </a:extLst>
           </p:cNvPr>
@@ -6614,8 +6649,8 @@
         </p:blipFill>
         <p:spPr>
           <a:xfrm>
-            <a:off x="425498" y="1716742"/>
-            <a:ext cx="5379472" cy="4848692"/>
+            <a:off x="470499" y="1823225"/>
+            <a:ext cx="6679002" cy="4525963"/>
           </a:xfrm>
         </p:spPr>
       </p:pic>
@@ -6649,33 +6684,92 @@
               <a:t>문제</a:t>
             </a:r>
             <a:r>
-              <a:rPr lang="ko-Kore-KR" altLang="en-US" dirty="0">
+              <a:rPr lang="ko-Kore-KR" altLang="en-US">
                 <a:ea typeface="맑은 고딕"/>
               </a:rPr>
-              <a:t> </a:t>
-            </a:r>
-            <a:r>
-              <a:rPr lang="ko-Kore-KR" altLang="en-US" dirty="0" err="1">
-                <a:ea typeface="맑은 고딕"/>
-              </a:rPr>
-              <a:t>설명</a:t>
-            </a:r>
-            <a:r>
-              <a:rPr lang="ko-Kore-KR" altLang="en-US" dirty="0">
-                <a:ea typeface="맑은 고딕"/>
-              </a:rPr>
-              <a:t> </a:t>
+              <a:t> 설명</a:t>
             </a:r>
             <a:endParaRPr kumimoji="1" lang="ko-Kore-KR" altLang="en-US" dirty="0"/>
           </a:p>
         </p:txBody>
       </p:sp>
-      <p:sp>
-        <p:nvSpPr>
-          <p:cNvPr id="3" name="Frame 2">
+      <p:pic>
+        <p:nvPicPr>
+          <p:cNvPr id="6" name="Picture 6" descr="Text&#10;&#10;Description automatically generated">
             <a:extLst>
               <a:ext uri="{FF2B5EF4-FFF2-40B4-BE49-F238E27FC236}">
-                <a16:creationId xmlns:a16="http://schemas.microsoft.com/office/drawing/2014/main" id="{F5736FDD-9998-A503-CFE7-C6258DFCF926}"/>
+                <a16:creationId xmlns:a16="http://schemas.microsoft.com/office/drawing/2014/main" id="{E901DC9C-6AE7-2CD1-D2A0-41EEB43984A0}"/>
+              </a:ext>
+            </a:extLst>
+          </p:cNvPr>
+          <p:cNvPicPr>
+            <a:picLocks noChangeAspect="1"/>
+          </p:cNvPicPr>
+          <p:nvPr/>
+        </p:nvPicPr>
+        <p:blipFill>
+          <a:blip r:embed="rId3"/>
+          <a:stretch>
+            <a:fillRect/>
+          </a:stretch>
+        </p:blipFill>
+        <p:spPr>
+          <a:xfrm>
+            <a:off x="8395010" y="1889887"/>
+            <a:ext cx="2743200" cy="996664"/>
+          </a:xfrm>
+          <a:prstGeom prst="rect">
+            <a:avLst/>
+          </a:prstGeom>
+        </p:spPr>
+      </p:pic>
+      <p:cxnSp>
+        <p:nvCxnSpPr>
+          <p:cNvPr id="7" name="Straight Arrow Connector 6">
+            <a:extLst>
+              <a:ext uri="{FF2B5EF4-FFF2-40B4-BE49-F238E27FC236}">
+                <a16:creationId xmlns:a16="http://schemas.microsoft.com/office/drawing/2014/main" id="{AB1ACD95-73A5-1FD1-97FE-55A1FF03F620}"/>
+              </a:ext>
+            </a:extLst>
+          </p:cNvPr>
+          <p:cNvCxnSpPr/>
+          <p:nvPr/>
+        </p:nvCxnSpPr>
+        <p:spPr>
+          <a:xfrm flipV="1">
+            <a:off x="1624362" y="2390078"/>
+            <a:ext cx="1537009" cy="5575"/>
+          </a:xfrm>
+          <a:prstGeom prst="straightConnector1">
+            <a:avLst/>
+          </a:prstGeom>
+          <a:ln>
+            <a:solidFill>
+              <a:srgbClr val="FF0000"/>
+            </a:solidFill>
+          </a:ln>
+        </p:spPr>
+        <p:style>
+          <a:lnRef idx="1">
+            <a:schemeClr val="accent1"/>
+          </a:lnRef>
+          <a:fillRef idx="0">
+            <a:schemeClr val="accent1"/>
+          </a:fillRef>
+          <a:effectRef idx="0">
+            <a:schemeClr val="accent1"/>
+          </a:effectRef>
+          <a:fontRef idx="minor">
+            <a:schemeClr val="tx1"/>
+          </a:fontRef>
+        </p:style>
+      </p:cxnSp>
+      <p:sp>
+        <p:nvSpPr>
+          <p:cNvPr id="9" name="Frame 8">
+            <a:extLst>
+              <a:ext uri="{FF2B5EF4-FFF2-40B4-BE49-F238E27FC236}">
+                <a16:creationId xmlns:a16="http://schemas.microsoft.com/office/drawing/2014/main" id="{6890DD77-FD9E-968D-4966-4EC320A330FF}"/>
               </a:ext>
             </a:extLst>
           </p:cNvPr>
@@ -6684,8 +6778,8 @@
         </p:nvSpPr>
         <p:spPr>
           <a:xfrm>
-            <a:off x="1461245" y="3496235"/>
-            <a:ext cx="4294095" cy="259976"/>
+            <a:off x="1626218" y="2090853"/>
+            <a:ext cx="4432609" cy="353122"/>
           </a:xfrm>
           <a:prstGeom prst="frame">
             <a:avLst/>
@@ -6728,10 +6822,10 @@
       </p:sp>
       <p:cxnSp>
         <p:nvCxnSpPr>
-          <p:cNvPr id="6" name="Straight Arrow Connector 5">
+          <p:cNvPr id="10" name="Straight Arrow Connector 9">
             <a:extLst>
               <a:ext uri="{FF2B5EF4-FFF2-40B4-BE49-F238E27FC236}">
-                <a16:creationId xmlns:a16="http://schemas.microsoft.com/office/drawing/2014/main" id="{19BAA67B-8073-F363-0224-D4E6848B0E0D}"/>
+                <a16:creationId xmlns:a16="http://schemas.microsoft.com/office/drawing/2014/main" id="{3AB58ED8-4392-0F6D-7C19-45CAB09128EC}"/>
               </a:ext>
             </a:extLst>
           </p:cNvPr>
@@ -6739,9 +6833,9 @@
           <p:nvPr/>
         </p:nvCxnSpPr>
         <p:spPr>
-          <a:xfrm flipH="1">
-            <a:off x="3657600" y="3751730"/>
-            <a:ext cx="0" cy="286871"/>
+          <a:xfrm>
+            <a:off x="6041869" y="2436309"/>
+            <a:ext cx="1694985" cy="1007326"/>
           </a:xfrm>
           <a:prstGeom prst="straightConnector1">
             <a:avLst/>
@@ -6768,12 +6862,83 @@
           </a:fontRef>
         </p:style>
       </p:cxnSp>
+      <p:sp>
+        <p:nvSpPr>
+          <p:cNvPr id="11" name="TextBox 10">
+            <a:extLst>
+              <a:ext uri="{FF2B5EF4-FFF2-40B4-BE49-F238E27FC236}">
+                <a16:creationId xmlns:a16="http://schemas.microsoft.com/office/drawing/2014/main" id="{C1A5E311-B050-AAF5-D3C4-47C6F9C70C51}"/>
+              </a:ext>
+            </a:extLst>
+          </p:cNvPr>
+          <p:cNvSpPr txBox="1"/>
+          <p:nvPr/>
+        </p:nvSpPr>
+        <p:spPr>
+          <a:xfrm>
+            <a:off x="7796560" y="3429000"/>
+            <a:ext cx="3503341" cy="738664"/>
+          </a:xfrm>
+          <a:prstGeom prst="rect">
+            <a:avLst/>
+          </a:prstGeom>
+          <a:noFill/>
+        </p:spPr>
+        <p:txBody>
+          <a:bodyPr rot="0" spcFirstLastPara="0" vertOverflow="overflow" horzOverflow="overflow" vert="horz" wrap="square" lIns="91440" tIns="45720" rIns="91440" bIns="45720" numCol="1" spcCol="0" rtlCol="0" fromWordArt="0" anchor="t" anchorCtr="0" forceAA="0" compatLnSpc="1">
+            <a:prstTxWarp prst="textNoShape">
+              <a:avLst/>
+            </a:prstTxWarp>
+            <a:spAutoFit/>
+          </a:bodyPr>
+          <a:lstStyle/>
+          <a:p>
+            <a:r>
+              <a:rPr lang="ko-KR" altLang="en-US" sz="1400" dirty="0">
+                <a:ea typeface="맑은 고딕"/>
+              </a:rPr>
+              <a:t>점프 : 정수만큼 이동 후 건전지 -1</a:t>
+            </a:r>
+          </a:p>
+          <a:p>
+            <a:r>
+              <a:rPr lang="ko-KR" altLang="en-US" sz="1400" dirty="0">
+                <a:ea typeface="맑은 고딕"/>
+              </a:rPr>
+              <a:t>순간이동 : 현제 이동거리의 x2 이동</a:t>
+            </a:r>
+            <a:br>
+              <a:rPr lang="ko-KR" altLang="en-US" sz="1400" dirty="0">
+                <a:ea typeface="맑은 고딕"/>
+              </a:rPr>
+            </a:br>
+            <a:r>
+              <a:rPr lang="ko-KR" altLang="en-US" sz="1400" dirty="0">
+                <a:ea typeface="맑은 고딕"/>
+              </a:rPr>
+              <a:t>( 건전지 소비 </a:t>
+            </a:r>
+            <a:r>
+              <a:rPr lang="ko-KR" altLang="en-US" sz="1400" dirty="0" err="1">
+                <a:ea typeface="맑은 고딕"/>
+              </a:rPr>
+              <a:t>X</a:t>
+            </a:r>
+            <a:r>
+              <a:rPr lang="ko-KR" altLang="en-US" sz="1400" dirty="0">
+                <a:ea typeface="맑은 고딕"/>
+              </a:rPr>
+              <a:t> )</a:t>
+            </a:r>
+          </a:p>
+        </p:txBody>
+      </p:sp>
       <p:cxnSp>
         <p:nvCxnSpPr>
-          <p:cNvPr id="7" name="Straight Arrow Connector 6">
+          <p:cNvPr id="12" name="Straight Arrow Connector 11">
             <a:extLst>
               <a:ext uri="{FF2B5EF4-FFF2-40B4-BE49-F238E27FC236}">
-                <a16:creationId xmlns:a16="http://schemas.microsoft.com/office/drawing/2014/main" id="{EE53E28B-22A9-5382-72CD-96360CA6E243}"/>
+                <a16:creationId xmlns:a16="http://schemas.microsoft.com/office/drawing/2014/main" id="{0DBBBA9B-CE31-FC07-AB09-8680CE80F145}"/>
               </a:ext>
             </a:extLst>
           </p:cNvPr>
@@ -6782,8 +6947,8 @@
         </p:nvCxnSpPr>
         <p:spPr>
           <a:xfrm flipV="1">
-            <a:off x="680757" y="4226298"/>
-            <a:ext cx="3254188" cy="17929"/>
+            <a:off x="1802084" y="3301924"/>
+            <a:ext cx="3990276" cy="5573"/>
           </a:xfrm>
           <a:prstGeom prst="straightConnector1">
             <a:avLst/>
@@ -6809,12 +6974,245 @@
           </a:fontRef>
         </p:style>
       </p:cxnSp>
-      <p:sp>
-        <p:nvSpPr>
-          <p:cNvPr id="9" name="Frame 8">
+      <p:cxnSp>
+        <p:nvCxnSpPr>
+          <p:cNvPr id="13" name="Straight Arrow Connector 12">
             <a:extLst>
               <a:ext uri="{FF2B5EF4-FFF2-40B4-BE49-F238E27FC236}">
-                <a16:creationId xmlns:a16="http://schemas.microsoft.com/office/drawing/2014/main" id="{101145DA-5518-96E7-E6F9-D19FC59C61C7}"/>
+                <a16:creationId xmlns:a16="http://schemas.microsoft.com/office/drawing/2014/main" id="{5C2DF218-199E-1B74-7D47-C31635242FC1}"/>
+              </a:ext>
+            </a:extLst>
+          </p:cNvPr>
+          <p:cNvCxnSpPr>
+            <a:cxnSpLocks/>
+          </p:cNvCxnSpPr>
+          <p:nvPr/>
+        </p:nvCxnSpPr>
+        <p:spPr>
+          <a:xfrm>
+            <a:off x="5781674" y="3291236"/>
+            <a:ext cx="1694985" cy="1007326"/>
+          </a:xfrm>
+          <a:prstGeom prst="straightConnector1">
+            <a:avLst/>
+          </a:prstGeom>
+          <a:ln>
+            <a:solidFill>
+              <a:srgbClr val="FF0000"/>
+            </a:solidFill>
+            <a:tailEnd type="triangle"/>
+          </a:ln>
+        </p:spPr>
+        <p:style>
+          <a:lnRef idx="1">
+            <a:schemeClr val="accent1"/>
+          </a:lnRef>
+          <a:fillRef idx="0">
+            <a:schemeClr val="accent1"/>
+          </a:fillRef>
+          <a:effectRef idx="0">
+            <a:schemeClr val="accent1"/>
+          </a:effectRef>
+          <a:fontRef idx="minor">
+            <a:schemeClr val="tx1"/>
+          </a:fontRef>
+        </p:style>
+      </p:cxnSp>
+      <p:sp>
+        <p:nvSpPr>
+          <p:cNvPr id="14" name="TextBox 13">
+            <a:extLst>
+              <a:ext uri="{FF2B5EF4-FFF2-40B4-BE49-F238E27FC236}">
+                <a16:creationId xmlns:a16="http://schemas.microsoft.com/office/drawing/2014/main" id="{556DC3D8-EBBA-5706-FC83-35E1128C4D7E}"/>
+              </a:ext>
+            </a:extLst>
+          </p:cNvPr>
+          <p:cNvSpPr txBox="1"/>
+          <p:nvPr/>
+        </p:nvSpPr>
+        <p:spPr>
+          <a:xfrm>
+            <a:off x="7508487" y="4376854"/>
+            <a:ext cx="4144535" cy="307777"/>
+          </a:xfrm>
+          <a:prstGeom prst="rect">
+            <a:avLst/>
+          </a:prstGeom>
+          <a:noFill/>
+        </p:spPr>
+        <p:txBody>
+          <a:bodyPr rot="0" spcFirstLastPara="0" vertOverflow="overflow" horzOverflow="overflow" vert="horz" wrap="square" lIns="91440" tIns="45720" rIns="91440" bIns="45720" numCol="1" spcCol="0" rtlCol="0" fromWordArt="0" anchor="t" anchorCtr="0" forceAA="0" compatLnSpc="1">
+            <a:prstTxWarp prst="textNoShape">
+              <a:avLst/>
+            </a:prstTxWarp>
+            <a:spAutoFit/>
+          </a:bodyPr>
+          <a:lstStyle/>
+          <a:p>
+            <a:r>
+              <a:rPr lang="ko-KR" altLang="en-US" sz="1400" dirty="0">
+                <a:ea typeface="맑은 고딕"/>
+              </a:rPr>
+              <a:t>최소한의 점프로 목적지에 도달 하는 것이 목표</a:t>
+            </a:r>
+          </a:p>
+        </p:txBody>
+      </p:sp>
+    </p:spTree>
+    <p:extLst>
+      <p:ext uri="{BB962C8B-B14F-4D97-AF65-F5344CB8AC3E}">
+        <p14:creationId xmlns:p14="http://schemas.microsoft.com/office/powerpoint/2010/main" val="874489478"/>
+      </p:ext>
+    </p:extLst>
+  </p:cSld>
+  <p:clrMapOvr>
+    <a:masterClrMapping/>
+  </p:clrMapOvr>
+</p:sld>
+</file>
+
+<file path=ppt/slides/slide4.xml><?xml version="1.0" encoding="utf-8"?>
+<p:sld xmlns:a="http://schemas.openxmlformats.org/drawingml/2006/main" xmlns:r="http://schemas.openxmlformats.org/officeDocument/2006/relationships" xmlns:p="http://schemas.openxmlformats.org/presentationml/2006/main">
+  <p:cSld>
+    <p:spTree>
+      <p:nvGrpSpPr>
+        <p:cNvPr id="1" name=""/>
+        <p:cNvGrpSpPr/>
+        <p:nvPr/>
+      </p:nvGrpSpPr>
+      <p:grpSpPr>
+        <a:xfrm>
+          <a:off x="0" y="0"/>
+          <a:ext cx="0" cy="0"/>
+          <a:chOff x="0" y="0"/>
+          <a:chExt cx="0" cy="0"/>
+        </a:xfrm>
+      </p:grpSpPr>
+      <p:sp>
+        <p:nvSpPr>
+          <p:cNvPr id="2" name="제목 1">
+            <a:extLst>
+              <a:ext uri="{FF2B5EF4-FFF2-40B4-BE49-F238E27FC236}">
+                <a16:creationId xmlns:a16="http://schemas.microsoft.com/office/drawing/2014/main" id="{C9148387-57D9-1341-8EAC-7B55E33DD944}"/>
+              </a:ext>
+            </a:extLst>
+          </p:cNvPr>
+          <p:cNvSpPr>
+            <a:spLocks noGrp="1"/>
+          </p:cNvSpPr>
+          <p:nvPr>
+            <p:ph type="title"/>
+          </p:nvPr>
+        </p:nvSpPr>
+        <p:spPr/>
+        <p:txBody>
+          <a:bodyPr/>
+          <a:lstStyle/>
+          <a:p>
+            <a:r>
+              <a:rPr lang="ko-Kore-KR" altLang="en-US" dirty="0" err="1">
+                <a:ea typeface="맑은 고딕"/>
+              </a:rPr>
+              <a:t>점프와</a:t>
+            </a:r>
+            <a:r>
+              <a:rPr lang="ko-Kore-KR" altLang="en-US" dirty="0">
+                <a:ea typeface="맑은 고딕"/>
+              </a:rPr>
+              <a:t> </a:t>
+            </a:r>
+            <a:r>
+              <a:rPr lang="ko-Kore-KR" altLang="en-US" dirty="0" err="1">
+                <a:ea typeface="맑은 고딕"/>
+              </a:rPr>
+              <a:t>순간</a:t>
+            </a:r>
+            <a:r>
+              <a:rPr lang="ko-Kore-KR" altLang="en-US">
+                <a:ea typeface="맑은 고딕"/>
+              </a:rPr>
+              <a:t> 이동</a:t>
+            </a:r>
+            <a:endParaRPr lang="en-US" altLang="en-US">
+              <a:ea typeface="맑은 고딕"/>
+            </a:endParaRPr>
+          </a:p>
+        </p:txBody>
+      </p:sp>
+      <p:sp>
+        <p:nvSpPr>
+          <p:cNvPr id="4" name="텍스트 개체 틀 3">
+            <a:extLst>
+              <a:ext uri="{FF2B5EF4-FFF2-40B4-BE49-F238E27FC236}">
+                <a16:creationId xmlns:a16="http://schemas.microsoft.com/office/drawing/2014/main" id="{A813A557-3DB4-9146-8DD6-1CDB7C599F79}"/>
+              </a:ext>
+            </a:extLst>
+          </p:cNvPr>
+          <p:cNvSpPr>
+            <a:spLocks noGrp="1"/>
+          </p:cNvSpPr>
+          <p:nvPr>
+            <p:ph type="body" sz="quarter" idx="14"/>
+          </p:nvPr>
+        </p:nvSpPr>
+        <p:spPr/>
+        <p:txBody>
+          <a:bodyPr vert="horz" lIns="91440" tIns="45720" rIns="91440" bIns="45720" rtlCol="0" anchor="t">
+            <a:normAutofit/>
+          </a:bodyPr>
+          <a:lstStyle/>
+          <a:p>
+            <a:r>
+              <a:rPr lang="ko-Kore-KR" altLang="en-US" dirty="0" err="1">
+                <a:ea typeface="맑은 고딕"/>
+              </a:rPr>
+              <a:t>문제</a:t>
+            </a:r>
+            <a:r>
+              <a:rPr lang="ko-Kore-KR" altLang="en-US">
+                <a:ea typeface="맑은 고딕"/>
+              </a:rPr>
+              <a:t> 설명</a:t>
+            </a:r>
+            <a:endParaRPr kumimoji="1" lang="ko-Kore-KR" altLang="en-US" dirty="0"/>
+          </a:p>
+        </p:txBody>
+      </p:sp>
+      <p:pic>
+        <p:nvPicPr>
+          <p:cNvPr id="15" name="Picture 15" descr="Graphical user interface&#10;&#10;Description automatically generated">
+            <a:extLst>
+              <a:ext uri="{FF2B5EF4-FFF2-40B4-BE49-F238E27FC236}">
+                <a16:creationId xmlns:a16="http://schemas.microsoft.com/office/drawing/2014/main" id="{B6D308C4-1737-DED1-9244-ECF9DA160AA4}"/>
+              </a:ext>
+            </a:extLst>
+          </p:cNvPr>
+          <p:cNvPicPr>
+            <a:picLocks noGrp="1" noChangeAspect="1"/>
+          </p:cNvPicPr>
+          <p:nvPr>
+            <p:ph idx="1"/>
+          </p:nvPr>
+        </p:nvPicPr>
+        <p:blipFill>
+          <a:blip r:embed="rId2"/>
+          <a:stretch>
+            <a:fillRect/>
+          </a:stretch>
+        </p:blipFill>
+        <p:spPr>
+          <a:xfrm>
+            <a:off x="283078" y="1917991"/>
+            <a:ext cx="1552575" cy="1771650"/>
+          </a:xfrm>
+        </p:spPr>
+      </p:pic>
+      <p:sp>
+        <p:nvSpPr>
+          <p:cNvPr id="16" name="Frame 15">
+            <a:extLst>
+              <a:ext uri="{FF2B5EF4-FFF2-40B4-BE49-F238E27FC236}">
+                <a16:creationId xmlns:a16="http://schemas.microsoft.com/office/drawing/2014/main" id="{FC17F49C-A4DB-D1ED-90A6-F288CE7F49FE}"/>
               </a:ext>
             </a:extLst>
           </p:cNvPr>
@@ -6823,8 +7221,8 @@
         </p:nvSpPr>
         <p:spPr>
           <a:xfrm>
-            <a:off x="636493" y="4545105"/>
-            <a:ext cx="1640541" cy="259976"/>
+            <a:off x="399583" y="2629829"/>
+            <a:ext cx="1022195" cy="353122"/>
           </a:xfrm>
           <a:prstGeom prst="frame">
             <a:avLst/>
@@ -6867,10 +7265,10 @@
       </p:sp>
       <p:cxnSp>
         <p:nvCxnSpPr>
-          <p:cNvPr id="10" name="Straight Arrow Connector 9">
+          <p:cNvPr id="17" name="Straight Arrow Connector 16">
             <a:extLst>
               <a:ext uri="{FF2B5EF4-FFF2-40B4-BE49-F238E27FC236}">
-                <a16:creationId xmlns:a16="http://schemas.microsoft.com/office/drawing/2014/main" id="{6D8AE6C8-CF47-EF4E-6123-3A00570EF670}"/>
+                <a16:creationId xmlns:a16="http://schemas.microsoft.com/office/drawing/2014/main" id="{39E46588-B387-0056-5C5D-62D8242D5E34}"/>
               </a:ext>
             </a:extLst>
           </p:cNvPr>
@@ -6880,139 +7278,9 @@
           <p:nvPr/>
         </p:nvCxnSpPr>
         <p:spPr>
-          <a:xfrm>
-            <a:off x="2277036" y="4675093"/>
-            <a:ext cx="502022" cy="2"/>
-          </a:xfrm>
-          <a:prstGeom prst="straightConnector1">
-            <a:avLst/>
-          </a:prstGeom>
-          <a:ln>
-            <a:solidFill>
-              <a:srgbClr val="FF0000"/>
-            </a:solidFill>
-            <a:tailEnd type="triangle"/>
-          </a:ln>
-        </p:spPr>
-        <p:style>
-          <a:lnRef idx="1">
-            <a:schemeClr val="accent1"/>
-          </a:lnRef>
-          <a:fillRef idx="0">
-            <a:schemeClr val="accent1"/>
-          </a:fillRef>
-          <a:effectRef idx="0">
-            <a:schemeClr val="accent1"/>
-          </a:effectRef>
-          <a:fontRef idx="minor">
-            <a:schemeClr val="tx1"/>
-          </a:fontRef>
-        </p:style>
-      </p:cxnSp>
-      <p:sp>
-        <p:nvSpPr>
-          <p:cNvPr id="11" name="TextBox 10">
-            <a:extLst>
-              <a:ext uri="{FF2B5EF4-FFF2-40B4-BE49-F238E27FC236}">
-                <a16:creationId xmlns:a16="http://schemas.microsoft.com/office/drawing/2014/main" id="{14952BB4-10AB-15D5-9330-05902FDCA48C}"/>
-              </a:ext>
-            </a:extLst>
-          </p:cNvPr>
-          <p:cNvSpPr txBox="1"/>
-          <p:nvPr/>
-        </p:nvSpPr>
-        <p:spPr>
-          <a:xfrm>
-            <a:off x="2805953" y="4545105"/>
-            <a:ext cx="4509246" cy="307777"/>
-          </a:xfrm>
-          <a:prstGeom prst="rect">
-            <a:avLst/>
-          </a:prstGeom>
-          <a:noFill/>
-        </p:spPr>
-        <p:txBody>
-          <a:bodyPr rot="0" spcFirstLastPara="0" vertOverflow="overflow" horzOverflow="overflow" vert="horz" wrap="square" lIns="91440" tIns="45720" rIns="91440" bIns="45720" numCol="1" spcCol="0" rtlCol="0" fromWordArt="0" anchor="t" anchorCtr="0" forceAA="0" compatLnSpc="1">
-            <a:prstTxWarp prst="textNoShape">
-              <a:avLst/>
-            </a:prstTxWarp>
-            <a:spAutoFit/>
-          </a:bodyPr>
-          <a:lstStyle/>
-          <a:p>
-            <a:r>
-              <a:rPr lang="en-US" sz="1400" dirty="0">
-                <a:solidFill>
-                  <a:srgbClr val="FF0000"/>
-                </a:solidFill>
-                <a:ea typeface="맑은 고딕"/>
-              </a:rPr>
-              <a:t>{{a1} , {a2,a2} , {a1,a2,a3}, {a1,a2,a3,a4}}</a:t>
-            </a:r>
-          </a:p>
-        </p:txBody>
-      </p:sp>
-      <p:cxnSp>
-        <p:nvCxnSpPr>
-          <p:cNvPr id="12" name="Straight Arrow Connector 11">
-            <a:extLst>
-              <a:ext uri="{FF2B5EF4-FFF2-40B4-BE49-F238E27FC236}">
-                <a16:creationId xmlns:a16="http://schemas.microsoft.com/office/drawing/2014/main" id="{B388AF7D-6E15-3EE3-DE8D-A1E9AE90B30E}"/>
-              </a:ext>
-            </a:extLst>
-          </p:cNvPr>
-          <p:cNvCxnSpPr>
-            <a:cxnSpLocks/>
-          </p:cNvCxnSpPr>
-          <p:nvPr/>
-        </p:nvCxnSpPr>
-        <p:spPr>
-          <a:xfrm>
-            <a:off x="1702733" y="5033121"/>
-            <a:ext cx="2339788" cy="8965"/>
-          </a:xfrm>
-          <a:prstGeom prst="straightConnector1">
-            <a:avLst/>
-          </a:prstGeom>
-          <a:ln>
-            <a:solidFill>
-              <a:srgbClr val="FF0000"/>
-            </a:solidFill>
-          </a:ln>
-        </p:spPr>
-        <p:style>
-          <a:lnRef idx="1">
-            <a:schemeClr val="accent1"/>
-          </a:lnRef>
-          <a:fillRef idx="0">
-            <a:schemeClr val="accent1"/>
-          </a:fillRef>
-          <a:effectRef idx="0">
-            <a:schemeClr val="accent1"/>
-          </a:effectRef>
-          <a:fontRef idx="minor">
-            <a:schemeClr val="tx1"/>
-          </a:fontRef>
-        </p:style>
-      </p:cxnSp>
-      <p:cxnSp>
-        <p:nvCxnSpPr>
-          <p:cNvPr id="15" name="Straight Arrow Connector 14">
-            <a:extLst>
-              <a:ext uri="{FF2B5EF4-FFF2-40B4-BE49-F238E27FC236}">
-                <a16:creationId xmlns:a16="http://schemas.microsoft.com/office/drawing/2014/main" id="{511F81E0-A969-F55A-A5A7-8B3022F08D4A}"/>
-              </a:ext>
-            </a:extLst>
-          </p:cNvPr>
-          <p:cNvCxnSpPr>
-            <a:cxnSpLocks/>
-          </p:cNvCxnSpPr>
-          <p:nvPr/>
-        </p:nvCxnSpPr>
-        <p:spPr>
-          <a:xfrm flipH="1">
-            <a:off x="1497105" y="5777753"/>
-            <a:ext cx="0" cy="152400"/>
+          <a:xfrm flipV="1">
+            <a:off x="1423405" y="2755976"/>
+            <a:ext cx="1778619" cy="5577"/>
           </a:xfrm>
           <a:prstGeom prst="straightConnector1">
             <a:avLst/>
@@ -7041,10 +7309,10 @@
       </p:cxnSp>
       <p:pic>
         <p:nvPicPr>
-          <p:cNvPr id="16" name="Picture 16" descr="Text&#10;&#10;Description automatically generated">
+          <p:cNvPr id="18" name="Picture 18" descr="Text&#10;&#10;Description automatically generated">
             <a:extLst>
               <a:ext uri="{FF2B5EF4-FFF2-40B4-BE49-F238E27FC236}">
-                <a16:creationId xmlns:a16="http://schemas.microsoft.com/office/drawing/2014/main" id="{375EB630-48F2-EB33-4C43-34BF3A599033}"/>
+                <a16:creationId xmlns:a16="http://schemas.microsoft.com/office/drawing/2014/main" id="{750FE096-1532-F920-A016-9E12C3C393A4}"/>
               </a:ext>
             </a:extLst>
           </p:cNvPr>
@@ -7061,161 +7329,20 @@
         </p:blipFill>
         <p:spPr>
           <a:xfrm>
-            <a:off x="6723530" y="1787325"/>
-            <a:ext cx="3594847" cy="1633845"/>
+            <a:off x="3367668" y="1779034"/>
+            <a:ext cx="6237248" cy="2482176"/>
           </a:xfrm>
           <a:prstGeom prst="rect">
             <a:avLst/>
           </a:prstGeom>
         </p:spPr>
       </p:pic>
-    </p:spTree>
-    <p:extLst>
-      <p:ext uri="{BB962C8B-B14F-4D97-AF65-F5344CB8AC3E}">
-        <p14:creationId xmlns:p14="http://schemas.microsoft.com/office/powerpoint/2010/main" val="221029408"/>
-      </p:ext>
-    </p:extLst>
-  </p:cSld>
-  <p:clrMapOvr>
-    <a:masterClrMapping/>
-  </p:clrMapOvr>
-</p:sld>
-</file>
-
-<file path=ppt/slides/slide4.xml><?xml version="1.0" encoding="utf-8"?>
-<p:sld xmlns:a="http://schemas.openxmlformats.org/drawingml/2006/main" xmlns:r="http://schemas.openxmlformats.org/officeDocument/2006/relationships" xmlns:p="http://schemas.openxmlformats.org/presentationml/2006/main">
-  <p:cSld>
-    <p:spTree>
-      <p:nvGrpSpPr>
-        <p:cNvPr id="1" name=""/>
-        <p:cNvGrpSpPr/>
-        <p:nvPr/>
-      </p:nvGrpSpPr>
-      <p:grpSpPr>
-        <a:xfrm>
-          <a:off x="0" y="0"/>
-          <a:ext cx="0" cy="0"/>
-          <a:chOff x="0" y="0"/>
-          <a:chExt cx="0" cy="0"/>
-        </a:xfrm>
-      </p:grpSpPr>
-      <p:sp>
-        <p:nvSpPr>
-          <p:cNvPr id="2" name="제목 1">
+      <p:cxnSp>
+        <p:nvCxnSpPr>
+          <p:cNvPr id="19" name="Straight Arrow Connector 18">
             <a:extLst>
               <a:ext uri="{FF2B5EF4-FFF2-40B4-BE49-F238E27FC236}">
-                <a16:creationId xmlns:a16="http://schemas.microsoft.com/office/drawing/2014/main" id="{C9148387-57D9-1341-8EAC-7B55E33DD944}"/>
-              </a:ext>
-            </a:extLst>
-          </p:cNvPr>
-          <p:cNvSpPr>
-            <a:spLocks noGrp="1"/>
-          </p:cNvSpPr>
-          <p:nvPr>
-            <p:ph type="title"/>
-          </p:nvPr>
-        </p:nvSpPr>
-        <p:spPr/>
-        <p:txBody>
-          <a:bodyPr/>
-          <a:lstStyle/>
-          <a:p>
-            <a:r>
-              <a:rPr lang="ko-Kore-KR" altLang="en-US">
-                <a:ea typeface="맑은 고딕"/>
-              </a:rPr>
-              <a:t>튜플</a:t>
-            </a:r>
-            <a:endParaRPr kumimoji="1" lang="ko-Kore-KR" altLang="en-US" dirty="0"/>
-          </a:p>
-        </p:txBody>
-      </p:sp>
-      <p:sp>
-        <p:nvSpPr>
-          <p:cNvPr id="4" name="텍스트 개체 틀 3">
-            <a:extLst>
-              <a:ext uri="{FF2B5EF4-FFF2-40B4-BE49-F238E27FC236}">
-                <a16:creationId xmlns:a16="http://schemas.microsoft.com/office/drawing/2014/main" id="{A813A557-3DB4-9146-8DD6-1CDB7C599F79}"/>
-              </a:ext>
-            </a:extLst>
-          </p:cNvPr>
-          <p:cNvSpPr>
-            <a:spLocks noGrp="1"/>
-          </p:cNvSpPr>
-          <p:nvPr>
-            <p:ph type="body" sz="quarter" idx="14"/>
-          </p:nvPr>
-        </p:nvSpPr>
-        <p:spPr/>
-        <p:txBody>
-          <a:bodyPr vert="horz" lIns="91440" tIns="45720" rIns="91440" bIns="45720" rtlCol="0" anchor="t">
-            <a:normAutofit/>
-          </a:bodyPr>
-          <a:lstStyle/>
-          <a:p>
-            <a:r>
-              <a:rPr lang="ko-Kore-KR" altLang="en-US" dirty="0" err="1">
-                <a:ea typeface="맑은 고딕"/>
-              </a:rPr>
-              <a:t>문제</a:t>
-            </a:r>
-            <a:r>
-              <a:rPr lang="ko-Kore-KR" altLang="en-US" dirty="0">
-                <a:ea typeface="맑은 고딕"/>
-              </a:rPr>
-              <a:t> </a:t>
-            </a:r>
-            <a:r>
-              <a:rPr lang="ko-Kore-KR" altLang="en-US" dirty="0" err="1">
-                <a:ea typeface="맑은 고딕"/>
-              </a:rPr>
-              <a:t>설명</a:t>
-            </a:r>
-            <a:r>
-              <a:rPr lang="ko-Kore-KR" altLang="en-US" dirty="0">
-                <a:ea typeface="맑은 고딕"/>
-              </a:rPr>
-              <a:t> </a:t>
-            </a:r>
-            <a:endParaRPr kumimoji="1" lang="ko-Kore-KR" altLang="en-US" dirty="0"/>
-          </a:p>
-        </p:txBody>
-      </p:sp>
-      <p:pic>
-        <p:nvPicPr>
-          <p:cNvPr id="14" name="Picture 15">
-            <a:extLst>
-              <a:ext uri="{FF2B5EF4-FFF2-40B4-BE49-F238E27FC236}">
-                <a16:creationId xmlns:a16="http://schemas.microsoft.com/office/drawing/2014/main" id="{0E680B70-3CFC-BAD0-0BD4-6F422B4AE915}"/>
-              </a:ext>
-            </a:extLst>
-          </p:cNvPr>
-          <p:cNvPicPr>
-            <a:picLocks noGrp="1" noChangeAspect="1"/>
-          </p:cNvPicPr>
-          <p:nvPr>
-            <p:ph idx="1"/>
-          </p:nvPr>
-        </p:nvPicPr>
-        <p:blipFill>
-          <a:blip r:embed="rId2"/>
-          <a:stretch>
-            <a:fillRect/>
-          </a:stretch>
-        </p:blipFill>
-        <p:spPr>
-          <a:xfrm>
-            <a:off x="496700" y="1948097"/>
-            <a:ext cx="3999939" cy="2521323"/>
-          </a:xfrm>
-        </p:spPr>
-      </p:pic>
-      <p:cxnSp>
-        <p:nvCxnSpPr>
-          <p:cNvPr id="16" name="Straight Arrow Connector 15">
-            <a:extLst>
-              <a:ext uri="{FF2B5EF4-FFF2-40B4-BE49-F238E27FC236}">
-                <a16:creationId xmlns:a16="http://schemas.microsoft.com/office/drawing/2014/main" id="{26B762A7-D08B-5B37-A78B-8FAA9D0E53A6}"/>
+                <a16:creationId xmlns:a16="http://schemas.microsoft.com/office/drawing/2014/main" id="{0796F802-101B-716E-DF06-6BDD7C9E86D0}"/>
               </a:ext>
             </a:extLst>
           </p:cNvPr>
@@ -7224,741 +7351,8 @@
         </p:nvCxnSpPr>
         <p:spPr>
           <a:xfrm flipV="1">
-            <a:off x="744071" y="3016624"/>
-            <a:ext cx="2501152" cy="8964"/>
-          </a:xfrm>
-          <a:prstGeom prst="straightConnector1">
-            <a:avLst/>
-          </a:prstGeom>
-          <a:ln>
-            <a:solidFill>
-              <a:srgbClr val="FF0000"/>
-            </a:solidFill>
-          </a:ln>
-        </p:spPr>
-        <p:style>
-          <a:lnRef idx="1">
-            <a:schemeClr val="accent1"/>
-          </a:lnRef>
-          <a:fillRef idx="0">
-            <a:schemeClr val="accent1"/>
-          </a:fillRef>
-          <a:effectRef idx="0">
-            <a:schemeClr val="accent1"/>
-          </a:effectRef>
-          <a:fontRef idx="minor">
-            <a:schemeClr val="tx1"/>
-          </a:fontRef>
-        </p:style>
-      </p:cxnSp>
-      <p:cxnSp>
-        <p:nvCxnSpPr>
-          <p:cNvPr id="17" name="Straight Arrow Connector 16">
-            <a:extLst>
-              <a:ext uri="{FF2B5EF4-FFF2-40B4-BE49-F238E27FC236}">
-                <a16:creationId xmlns:a16="http://schemas.microsoft.com/office/drawing/2014/main" id="{E17425AA-7E51-E638-0FB5-4E47E4026C9A}"/>
-              </a:ext>
-            </a:extLst>
-          </p:cNvPr>
-          <p:cNvCxnSpPr>
-            <a:cxnSpLocks/>
-          </p:cNvCxnSpPr>
-          <p:nvPr/>
-        </p:nvCxnSpPr>
-        <p:spPr>
-          <a:xfrm flipV="1">
-            <a:off x="744071" y="3357283"/>
-            <a:ext cx="2501152" cy="8964"/>
-          </a:xfrm>
-          <a:prstGeom prst="straightConnector1">
-            <a:avLst/>
-          </a:prstGeom>
-          <a:ln>
-            <a:solidFill>
-              <a:srgbClr val="FF0000"/>
-            </a:solidFill>
-          </a:ln>
-        </p:spPr>
-        <p:style>
-          <a:lnRef idx="1">
-            <a:schemeClr val="accent1"/>
-          </a:lnRef>
-          <a:fillRef idx="0">
-            <a:schemeClr val="accent1"/>
-          </a:fillRef>
-          <a:effectRef idx="0">
-            <a:schemeClr val="accent1"/>
-          </a:effectRef>
-          <a:fontRef idx="minor">
-            <a:schemeClr val="tx1"/>
-          </a:fontRef>
-        </p:style>
-      </p:cxnSp>
-      <p:sp>
-        <p:nvSpPr>
-          <p:cNvPr id="18" name="Right Bracket 17">
-            <a:extLst>
-              <a:ext uri="{FF2B5EF4-FFF2-40B4-BE49-F238E27FC236}">
-                <a16:creationId xmlns:a16="http://schemas.microsoft.com/office/drawing/2014/main" id="{B5A61C42-E772-ED0E-474B-C47AC3CC5BDF}"/>
-              </a:ext>
-            </a:extLst>
-          </p:cNvPr>
-          <p:cNvSpPr/>
-          <p:nvPr/>
-        </p:nvSpPr>
-        <p:spPr>
-          <a:xfrm>
-            <a:off x="4213412" y="2877670"/>
-            <a:ext cx="286870" cy="376517"/>
-          </a:xfrm>
-          <a:prstGeom prst="rightBracket">
-            <a:avLst/>
-          </a:prstGeom>
-          <a:noFill/>
-          <a:ln>
-            <a:solidFill>
-              <a:srgbClr val="FF0000"/>
-            </a:solidFill>
-          </a:ln>
-        </p:spPr>
-        <p:style>
-          <a:lnRef idx="1">
-            <a:schemeClr val="accent1"/>
-          </a:lnRef>
-          <a:fillRef idx="0">
-            <a:schemeClr val="accent1"/>
-          </a:fillRef>
-          <a:effectRef idx="0">
-            <a:schemeClr val="accent1"/>
-          </a:effectRef>
-          <a:fontRef idx="minor">
-            <a:schemeClr val="tx1"/>
-          </a:fontRef>
-        </p:style>
-        <p:txBody>
-          <a:bodyPr rtlCol="0" anchor="ctr"/>
-          <a:lstStyle/>
-          <a:p>
-            <a:pPr algn="ctr"/>
-            <a:endParaRPr lang="en-US"/>
-          </a:p>
-        </p:txBody>
-      </p:sp>
-      <p:cxnSp>
-        <p:nvCxnSpPr>
-          <p:cNvPr id="19" name="Connector: Elbow 18">
-            <a:extLst>
-              <a:ext uri="{FF2B5EF4-FFF2-40B4-BE49-F238E27FC236}">
-                <a16:creationId xmlns:a16="http://schemas.microsoft.com/office/drawing/2014/main" id="{196D6A40-61A0-5071-6570-0F2320A9CFBC}"/>
-              </a:ext>
-            </a:extLst>
-          </p:cNvPr>
-          <p:cNvCxnSpPr/>
-          <p:nvPr/>
-        </p:nvCxnSpPr>
-        <p:spPr>
-          <a:xfrm>
-            <a:off x="4499722" y="3069851"/>
-            <a:ext cx="833717" cy="627529"/>
-          </a:xfrm>
-          <a:prstGeom prst="bentConnector3">
-            <a:avLst/>
-          </a:prstGeom>
-          <a:ln>
-            <a:solidFill>
-              <a:srgbClr val="FF0000"/>
-            </a:solidFill>
-            <a:tailEnd type="triangle"/>
-          </a:ln>
-        </p:spPr>
-        <p:style>
-          <a:lnRef idx="1">
-            <a:schemeClr val="accent1"/>
-          </a:lnRef>
-          <a:fillRef idx="0">
-            <a:schemeClr val="accent1"/>
-          </a:fillRef>
-          <a:effectRef idx="0">
-            <a:schemeClr val="accent1"/>
-          </a:effectRef>
-          <a:fontRef idx="minor">
-            <a:schemeClr val="tx1"/>
-          </a:fontRef>
-        </p:style>
-      </p:cxnSp>
-      <p:sp>
-        <p:nvSpPr>
-          <p:cNvPr id="20" name="TextBox 19">
-            <a:extLst>
-              <a:ext uri="{FF2B5EF4-FFF2-40B4-BE49-F238E27FC236}">
-                <a16:creationId xmlns:a16="http://schemas.microsoft.com/office/drawing/2014/main" id="{E5E3BEA9-84A2-CBB2-0367-1E38F90590E2}"/>
-              </a:ext>
-            </a:extLst>
-          </p:cNvPr>
-          <p:cNvSpPr txBox="1"/>
-          <p:nvPr/>
-        </p:nvSpPr>
-        <p:spPr>
-          <a:xfrm>
-            <a:off x="5450541" y="3550023"/>
-            <a:ext cx="4482352" cy="646331"/>
-          </a:xfrm>
-          <a:prstGeom prst="rect">
-            <a:avLst/>
-          </a:prstGeom>
-          <a:noFill/>
-        </p:spPr>
-        <p:txBody>
-          <a:bodyPr rot="0" spcFirstLastPara="0" vertOverflow="overflow" horzOverflow="overflow" vert="horz" wrap="square" lIns="91440" tIns="45720" rIns="91440" bIns="45720" numCol="1" spcCol="0" rtlCol="0" fromWordArt="0" anchor="t" anchorCtr="0" forceAA="0" compatLnSpc="1">
-            <a:prstTxWarp prst="textNoShape">
-              <a:avLst/>
-            </a:prstTxWarp>
-            <a:spAutoFit/>
-          </a:bodyPr>
-          <a:lstStyle/>
-          <a:p>
-            <a:r>
-              <a:rPr lang="ko-KR" altLang="en-US" dirty="0">
-                <a:ea typeface="맑은 고딕"/>
-              </a:rPr>
-              <a:t>순서는 </a:t>
-            </a:r>
-            <a:r>
-              <a:rPr lang="ko-KR" altLang="en-US" dirty="0" err="1">
-                <a:ea typeface="맑은 고딕"/>
-              </a:rPr>
-              <a:t>바꼈지만</a:t>
-            </a:r>
-            <a:r>
-              <a:rPr lang="ko-KR" altLang="en-US" dirty="0">
-                <a:ea typeface="맑은 고딕"/>
-              </a:rPr>
-              <a:t> 결국 요소들이 의미하는 바는 같기 때문에 같은 출력이 나온다.</a:t>
-            </a:r>
-          </a:p>
-        </p:txBody>
-      </p:sp>
-    </p:spTree>
-    <p:extLst>
-      <p:ext uri="{BB962C8B-B14F-4D97-AF65-F5344CB8AC3E}">
-        <p14:creationId xmlns:p14="http://schemas.microsoft.com/office/powerpoint/2010/main" val="4264507711"/>
-      </p:ext>
-    </p:extLst>
-  </p:cSld>
-  <p:clrMapOvr>
-    <a:masterClrMapping/>
-  </p:clrMapOvr>
-</p:sld>
-</file>
-
-<file path=ppt/slides/slide5.xml><?xml version="1.0" encoding="utf-8"?>
-<p:sld xmlns:a="http://schemas.openxmlformats.org/drawingml/2006/main" xmlns:r="http://schemas.openxmlformats.org/officeDocument/2006/relationships" xmlns:p="http://schemas.openxmlformats.org/presentationml/2006/main">
-  <p:cSld>
-    <p:spTree>
-      <p:nvGrpSpPr>
-        <p:cNvPr id="1" name=""/>
-        <p:cNvGrpSpPr/>
-        <p:nvPr/>
-      </p:nvGrpSpPr>
-      <p:grpSpPr>
-        <a:xfrm>
-          <a:off x="0" y="0"/>
-          <a:ext cx="0" cy="0"/>
-          <a:chOff x="0" y="0"/>
-          <a:chExt cx="0" cy="0"/>
-        </a:xfrm>
-      </p:grpSpPr>
-      <p:sp>
-        <p:nvSpPr>
-          <p:cNvPr id="2" name="제목 1">
-            <a:extLst>
-              <a:ext uri="{FF2B5EF4-FFF2-40B4-BE49-F238E27FC236}">
-                <a16:creationId xmlns:a16="http://schemas.microsoft.com/office/drawing/2014/main" id="{F81DA964-3E3F-7245-87CC-29849621EB43}"/>
-              </a:ext>
-            </a:extLst>
-          </p:cNvPr>
-          <p:cNvSpPr>
-            <a:spLocks noGrp="1"/>
-          </p:cNvSpPr>
-          <p:nvPr>
-            <p:ph type="title"/>
-          </p:nvPr>
-        </p:nvSpPr>
-        <p:spPr/>
-        <p:txBody>
-          <a:bodyPr/>
-          <a:lstStyle/>
-          <a:p>
-            <a:r>
-              <a:rPr lang="en-US" altLang="en-US" dirty="0">
-                <a:ea typeface="맑은 고딕"/>
-              </a:rPr>
-              <a:t>롤 </a:t>
-            </a:r>
-            <a:r>
-              <a:rPr lang="en-US" altLang="en-US" dirty="0" err="1">
-                <a:ea typeface="맑은 고딕"/>
-              </a:rPr>
-              <a:t>케이크</a:t>
-            </a:r>
-            <a:r>
-              <a:rPr lang="en-US" altLang="en-US" dirty="0">
-                <a:ea typeface="맑은 고딕"/>
-              </a:rPr>
-              <a:t> </a:t>
-            </a:r>
-            <a:r>
-              <a:rPr lang="en-US" altLang="en-US" dirty="0" err="1">
-                <a:ea typeface="맑은 고딕"/>
-              </a:rPr>
-              <a:t>자르기</a:t>
-            </a:r>
-          </a:p>
-        </p:txBody>
-      </p:sp>
-    </p:spTree>
-    <p:extLst>
-      <p:ext uri="{BB962C8B-B14F-4D97-AF65-F5344CB8AC3E}">
-        <p14:creationId xmlns:p14="http://schemas.microsoft.com/office/powerpoint/2010/main" val="2502519815"/>
-      </p:ext>
-    </p:extLst>
-  </p:cSld>
-  <p:clrMapOvr>
-    <a:masterClrMapping/>
-  </p:clrMapOvr>
-</p:sld>
-</file>
-
-<file path=ppt/slides/slide6.xml><?xml version="1.0" encoding="utf-8"?>
-<p:sld xmlns:a="http://schemas.openxmlformats.org/drawingml/2006/main" xmlns:r="http://schemas.openxmlformats.org/officeDocument/2006/relationships" xmlns:p="http://schemas.openxmlformats.org/presentationml/2006/main">
-  <p:cSld>
-    <p:spTree>
-      <p:nvGrpSpPr>
-        <p:cNvPr id="1" name=""/>
-        <p:cNvGrpSpPr/>
-        <p:nvPr/>
-      </p:nvGrpSpPr>
-      <p:grpSpPr>
-        <a:xfrm>
-          <a:off x="0" y="0"/>
-          <a:ext cx="0" cy="0"/>
-          <a:chOff x="0" y="0"/>
-          <a:chExt cx="0" cy="0"/>
-        </a:xfrm>
-      </p:grpSpPr>
-      <p:sp>
-        <p:nvSpPr>
-          <p:cNvPr id="2" name="제목 1">
-            <a:extLst>
-              <a:ext uri="{FF2B5EF4-FFF2-40B4-BE49-F238E27FC236}">
-                <a16:creationId xmlns:a16="http://schemas.microsoft.com/office/drawing/2014/main" id="{C9148387-57D9-1341-8EAC-7B55E33DD944}"/>
-              </a:ext>
-            </a:extLst>
-          </p:cNvPr>
-          <p:cNvSpPr>
-            <a:spLocks noGrp="1"/>
-          </p:cNvSpPr>
-          <p:nvPr>
-            <p:ph type="title"/>
-          </p:nvPr>
-        </p:nvSpPr>
-        <p:spPr/>
-        <p:txBody>
-          <a:bodyPr/>
-          <a:lstStyle/>
-          <a:p>
-            <a:r>
-              <a:rPr lang="ko-Kore-KR" altLang="en-US">
-                <a:ea typeface="맑은 고딕"/>
-              </a:rPr>
-              <a:t>튜플</a:t>
-            </a:r>
-            <a:endParaRPr kumimoji="1" lang="ko-Kore-KR" altLang="en-US" dirty="0"/>
-          </a:p>
-        </p:txBody>
-      </p:sp>
-      <p:sp>
-        <p:nvSpPr>
-          <p:cNvPr id="4" name="텍스트 개체 틀 3">
-            <a:extLst>
-              <a:ext uri="{FF2B5EF4-FFF2-40B4-BE49-F238E27FC236}">
-                <a16:creationId xmlns:a16="http://schemas.microsoft.com/office/drawing/2014/main" id="{A813A557-3DB4-9146-8DD6-1CDB7C599F79}"/>
-              </a:ext>
-            </a:extLst>
-          </p:cNvPr>
-          <p:cNvSpPr>
-            <a:spLocks noGrp="1"/>
-          </p:cNvSpPr>
-          <p:nvPr>
-            <p:ph type="body" sz="quarter" idx="14"/>
-          </p:nvPr>
-        </p:nvSpPr>
-        <p:spPr/>
-        <p:txBody>
-          <a:bodyPr vert="horz" lIns="91440" tIns="45720" rIns="91440" bIns="45720" rtlCol="0" anchor="t">
-            <a:normAutofit/>
-          </a:bodyPr>
-          <a:lstStyle/>
-          <a:p>
-            <a:r>
-              <a:rPr lang="ko-Kore-KR" altLang="en-US" dirty="0" err="1">
-                <a:ea typeface="맑은 고딕"/>
-              </a:rPr>
-              <a:t>문제</a:t>
-            </a:r>
-            <a:r>
-              <a:rPr lang="ko-Kore-KR" altLang="en-US" dirty="0">
-                <a:ea typeface="맑은 고딕"/>
-              </a:rPr>
-              <a:t> </a:t>
-            </a:r>
-            <a:r>
-              <a:rPr lang="ko-Kore-KR" altLang="en-US" dirty="0" err="1">
-                <a:ea typeface="맑은 고딕"/>
-              </a:rPr>
-              <a:t>설명</a:t>
-            </a:r>
-            <a:r>
-              <a:rPr lang="ko-Kore-KR" altLang="en-US" dirty="0">
-                <a:ea typeface="맑은 고딕"/>
-              </a:rPr>
-              <a:t> </a:t>
-            </a:r>
-            <a:endParaRPr kumimoji="1" lang="ko-Kore-KR" altLang="en-US" dirty="0"/>
-          </a:p>
-        </p:txBody>
-      </p:sp>
-      <p:pic>
-        <p:nvPicPr>
-          <p:cNvPr id="6" name="Picture 6" descr="Text&#10;&#10;Description automatically generated">
-            <a:extLst>
-              <a:ext uri="{FF2B5EF4-FFF2-40B4-BE49-F238E27FC236}">
-                <a16:creationId xmlns:a16="http://schemas.microsoft.com/office/drawing/2014/main" id="{12DB1EDB-C05E-B282-3BBD-61799CA0090A}"/>
-              </a:ext>
-            </a:extLst>
-          </p:cNvPr>
-          <p:cNvPicPr>
-            <a:picLocks noGrp="1" noChangeAspect="1"/>
-          </p:cNvPicPr>
-          <p:nvPr>
-            <p:ph idx="1"/>
-          </p:nvPr>
-        </p:nvPicPr>
-        <p:blipFill>
-          <a:blip r:embed="rId2"/>
-          <a:stretch>
-            <a:fillRect/>
-          </a:stretch>
-        </p:blipFill>
-        <p:spPr>
-          <a:xfrm>
-            <a:off x="292743" y="1761567"/>
-            <a:ext cx="7939947" cy="4696291"/>
-          </a:xfrm>
-        </p:spPr>
-      </p:pic>
-      <p:cxnSp>
-        <p:nvCxnSpPr>
-          <p:cNvPr id="7" name="Straight Arrow Connector 6">
-            <a:extLst>
-              <a:ext uri="{FF2B5EF4-FFF2-40B4-BE49-F238E27FC236}">
-                <a16:creationId xmlns:a16="http://schemas.microsoft.com/office/drawing/2014/main" id="{6ECB1342-67E3-1500-3F57-086D92E62E78}"/>
-              </a:ext>
-            </a:extLst>
-          </p:cNvPr>
-          <p:cNvCxnSpPr/>
-          <p:nvPr/>
-        </p:nvCxnSpPr>
-        <p:spPr>
-          <a:xfrm flipV="1">
-            <a:off x="3469341" y="3097306"/>
-            <a:ext cx="4670610" cy="8965"/>
-          </a:xfrm>
-          <a:prstGeom prst="straightConnector1">
-            <a:avLst/>
-          </a:prstGeom>
-          <a:ln>
-            <a:solidFill>
-              <a:srgbClr val="FF0000"/>
-            </a:solidFill>
-          </a:ln>
-        </p:spPr>
-        <p:style>
-          <a:lnRef idx="1">
-            <a:schemeClr val="accent1"/>
-          </a:lnRef>
-          <a:fillRef idx="0">
-            <a:schemeClr val="accent1"/>
-          </a:fillRef>
-          <a:effectRef idx="0">
-            <a:schemeClr val="accent1"/>
-          </a:effectRef>
-          <a:fontRef idx="minor">
-            <a:schemeClr val="tx1"/>
-          </a:fontRef>
-        </p:style>
-      </p:cxnSp>
-      <p:cxnSp>
-        <p:nvCxnSpPr>
-          <p:cNvPr id="8" name="Straight Arrow Connector 7">
-            <a:extLst>
-              <a:ext uri="{FF2B5EF4-FFF2-40B4-BE49-F238E27FC236}">
-                <a16:creationId xmlns:a16="http://schemas.microsoft.com/office/drawing/2014/main" id="{9258EA45-51B3-CC12-760B-F3BC0C698354}"/>
-              </a:ext>
-            </a:extLst>
-          </p:cNvPr>
-          <p:cNvCxnSpPr>
-            <a:cxnSpLocks/>
-          </p:cNvCxnSpPr>
-          <p:nvPr/>
-        </p:nvCxnSpPr>
-        <p:spPr>
-          <a:xfrm flipV="1">
-            <a:off x="376517" y="3339353"/>
-            <a:ext cx="4320987" cy="17929"/>
-          </a:xfrm>
-          <a:prstGeom prst="straightConnector1">
-            <a:avLst/>
-          </a:prstGeom>
-          <a:ln>
-            <a:solidFill>
-              <a:srgbClr val="FF0000"/>
-            </a:solidFill>
-          </a:ln>
-        </p:spPr>
-        <p:style>
-          <a:lnRef idx="1">
-            <a:schemeClr val="accent1"/>
-          </a:lnRef>
-          <a:fillRef idx="0">
-            <a:schemeClr val="accent1"/>
-          </a:fillRef>
-          <a:effectRef idx="0">
-            <a:schemeClr val="accent1"/>
-          </a:effectRef>
-          <a:fontRef idx="minor">
-            <a:schemeClr val="tx1"/>
-          </a:fontRef>
-        </p:style>
-      </p:cxnSp>
-      <p:cxnSp>
-        <p:nvCxnSpPr>
-          <p:cNvPr id="10" name="Connector: Elbow 9">
-            <a:extLst>
-              <a:ext uri="{FF2B5EF4-FFF2-40B4-BE49-F238E27FC236}">
-                <a16:creationId xmlns:a16="http://schemas.microsoft.com/office/drawing/2014/main" id="{AFAEA013-E5B3-5BB8-81F0-C496F61FA53C}"/>
-              </a:ext>
-            </a:extLst>
-          </p:cNvPr>
-          <p:cNvCxnSpPr/>
-          <p:nvPr/>
-        </p:nvCxnSpPr>
-        <p:spPr>
-          <a:xfrm>
-            <a:off x="8228480" y="3051362"/>
-            <a:ext cx="726142" cy="645459"/>
-          </a:xfrm>
-          <a:prstGeom prst="bentConnector3">
-            <a:avLst/>
-          </a:prstGeom>
-          <a:ln>
-            <a:solidFill>
-              <a:srgbClr val="FF0000"/>
-            </a:solidFill>
-            <a:tailEnd type="triangle"/>
-          </a:ln>
-        </p:spPr>
-        <p:style>
-          <a:lnRef idx="1">
-            <a:schemeClr val="accent1"/>
-          </a:lnRef>
-          <a:fillRef idx="0">
-            <a:schemeClr val="accent1"/>
-          </a:fillRef>
-          <a:effectRef idx="0">
-            <a:schemeClr val="accent1"/>
-          </a:effectRef>
-          <a:fontRef idx="minor">
-            <a:schemeClr val="tx1"/>
-          </a:fontRef>
-        </p:style>
-      </p:cxnSp>
-      <p:sp>
-        <p:nvSpPr>
-          <p:cNvPr id="11" name="TextBox 10">
-            <a:extLst>
-              <a:ext uri="{FF2B5EF4-FFF2-40B4-BE49-F238E27FC236}">
-                <a16:creationId xmlns:a16="http://schemas.microsoft.com/office/drawing/2014/main" id="{28CEC773-8854-0BB1-52A8-7049179A4E05}"/>
-              </a:ext>
-            </a:extLst>
-          </p:cNvPr>
-          <p:cNvSpPr txBox="1"/>
-          <p:nvPr/>
-        </p:nvSpPr>
-        <p:spPr>
-          <a:xfrm>
-            <a:off x="8955741" y="3155575"/>
-            <a:ext cx="3182470" cy="1446550"/>
-          </a:xfrm>
-          <a:prstGeom prst="rect">
-            <a:avLst/>
-          </a:prstGeom>
-          <a:noFill/>
-        </p:spPr>
-        <p:txBody>
-          <a:bodyPr rot="0" spcFirstLastPara="0" vertOverflow="overflow" horzOverflow="overflow" vert="horz" wrap="square" lIns="91440" tIns="45720" rIns="91440" bIns="45720" numCol="1" spcCol="0" rtlCol="0" fromWordArt="0" anchor="t" anchorCtr="0" forceAA="0" compatLnSpc="1">
-            <a:prstTxWarp prst="textNoShape">
-              <a:avLst/>
-            </a:prstTxWarp>
-            <a:spAutoFit/>
-          </a:bodyPr>
-          <a:lstStyle/>
-          <a:p>
-            <a:r>
-              <a:rPr lang="ko-KR" altLang="en-US" sz="1400" dirty="0">
-                <a:ea typeface="맑은 고딕"/>
-              </a:rPr>
-              <a:t>다른 건 다 필요 없지만 </a:t>
-            </a:r>
-            <a:endParaRPr lang="en-US" altLang="ko-KR" sz="1400">
-              <a:ea typeface="맑은 고딕"/>
-            </a:endParaRPr>
-          </a:p>
-          <a:p>
-            <a:r>
-              <a:rPr lang="ko-KR" altLang="en-US" sz="1400" dirty="0" err="1">
-                <a:ea typeface="맑은 고딕"/>
-              </a:rPr>
-              <a:t>토핑의</a:t>
-            </a:r>
-            <a:r>
-              <a:rPr lang="ko-KR" altLang="en-US" sz="1400" dirty="0">
-                <a:ea typeface="맑은 고딕"/>
-              </a:rPr>
-              <a:t> 종류의 수만 고려한다</a:t>
-            </a:r>
-          </a:p>
-          <a:p>
-            <a:endParaRPr lang="ko-KR" altLang="en-US" sz="1400" dirty="0">
-              <a:ea typeface="맑은 고딕"/>
-            </a:endParaRPr>
-          </a:p>
-          <a:p>
-            <a:r>
-              <a:rPr lang="ko-KR" altLang="en-US" sz="1400" dirty="0">
-                <a:ea typeface="맑은 고딕"/>
-              </a:rPr>
-              <a:t>잘려진 조각이 8 : 2 여도 </a:t>
-            </a:r>
-            <a:r>
-              <a:rPr lang="ko-KR" altLang="en-US" sz="1400" dirty="0" err="1">
-                <a:ea typeface="맑은 고딕"/>
-              </a:rPr>
-              <a:t>토핑의</a:t>
-            </a:r>
-            <a:r>
-              <a:rPr lang="ko-KR" altLang="en-US" sz="1400" dirty="0">
-                <a:ea typeface="맑은 고딕"/>
-              </a:rPr>
-              <a:t> 종류의 수가 2 : 2 라면 성립</a:t>
-            </a:r>
-          </a:p>
-          <a:p>
-            <a:endParaRPr lang="ko-KR" altLang="en-US" dirty="0">
-              <a:ea typeface="맑은 고딕"/>
-            </a:endParaRPr>
-          </a:p>
-        </p:txBody>
-      </p:sp>
-      <p:pic>
-        <p:nvPicPr>
-          <p:cNvPr id="12" name="Picture 12" descr="Text&#10;&#10;Description automatically generated">
-            <a:extLst>
-              <a:ext uri="{FF2B5EF4-FFF2-40B4-BE49-F238E27FC236}">
-                <a16:creationId xmlns:a16="http://schemas.microsoft.com/office/drawing/2014/main" id="{243872CE-8F2B-8D6C-60BF-2B891AF7FFBC}"/>
-              </a:ext>
-            </a:extLst>
-          </p:cNvPr>
-          <p:cNvPicPr>
-            <a:picLocks noChangeAspect="1"/>
-          </p:cNvPicPr>
-          <p:nvPr/>
-        </p:nvPicPr>
-        <p:blipFill>
-          <a:blip r:embed="rId3"/>
-          <a:stretch>
-            <a:fillRect/>
-          </a:stretch>
-        </p:blipFill>
-        <p:spPr>
-          <a:xfrm>
-            <a:off x="8588188" y="5404373"/>
-            <a:ext cx="2743200" cy="1051560"/>
-          </a:xfrm>
-          <a:prstGeom prst="rect">
-            <a:avLst/>
-          </a:prstGeom>
-        </p:spPr>
-      </p:pic>
-      <p:cxnSp>
-        <p:nvCxnSpPr>
-          <p:cNvPr id="13" name="Straight Arrow Connector 12">
-            <a:extLst>
-              <a:ext uri="{FF2B5EF4-FFF2-40B4-BE49-F238E27FC236}">
-                <a16:creationId xmlns:a16="http://schemas.microsoft.com/office/drawing/2014/main" id="{7C7DC524-4F95-BBD8-444A-069F1F121638}"/>
-              </a:ext>
-            </a:extLst>
-          </p:cNvPr>
-          <p:cNvCxnSpPr/>
-          <p:nvPr/>
-        </p:nvCxnSpPr>
-        <p:spPr>
-          <a:xfrm flipV="1">
-            <a:off x="1017589" y="4267523"/>
-            <a:ext cx="3012139" cy="8963"/>
-          </a:xfrm>
-          <a:prstGeom prst="straightConnector1">
-            <a:avLst/>
-          </a:prstGeom>
-          <a:ln>
-            <a:solidFill>
-              <a:srgbClr val="FF0000"/>
-            </a:solidFill>
-          </a:ln>
-        </p:spPr>
-        <p:style>
-          <a:lnRef idx="1">
-            <a:schemeClr val="accent1"/>
-          </a:lnRef>
-          <a:fillRef idx="0">
-            <a:schemeClr val="accent1"/>
-          </a:fillRef>
-          <a:effectRef idx="0">
-            <a:schemeClr val="accent1"/>
-          </a:effectRef>
-          <a:fontRef idx="minor">
-            <a:schemeClr val="tx1"/>
-          </a:fontRef>
-        </p:style>
-      </p:cxnSp>
-      <p:cxnSp>
-        <p:nvCxnSpPr>
-          <p:cNvPr id="15" name="Straight Arrow Connector 14">
-            <a:extLst>
-              <a:ext uri="{FF2B5EF4-FFF2-40B4-BE49-F238E27FC236}">
-                <a16:creationId xmlns:a16="http://schemas.microsoft.com/office/drawing/2014/main" id="{1C8C5055-5F65-99B7-3F3A-7D40E8AC435C}"/>
-              </a:ext>
-            </a:extLst>
-          </p:cNvPr>
-          <p:cNvCxnSpPr>
-            <a:cxnSpLocks/>
-          </p:cNvCxnSpPr>
-          <p:nvPr/>
-        </p:nvCxnSpPr>
-        <p:spPr>
-          <a:xfrm flipV="1">
-            <a:off x="2407118" y="4545430"/>
-            <a:ext cx="4724398" cy="8962"/>
+            <a:off x="3687337" y="2613103"/>
+            <a:ext cx="4631473" cy="5575"/>
           </a:xfrm>
           <a:prstGeom prst="straightConnector1">
             <a:avLst/>
@@ -7989,7 +7383,7 @@
           <p:cNvPr id="21" name="Straight Arrow Connector 20">
             <a:extLst>
               <a:ext uri="{FF2B5EF4-FFF2-40B4-BE49-F238E27FC236}">
-                <a16:creationId xmlns:a16="http://schemas.microsoft.com/office/drawing/2014/main" id="{DBCE5428-AFA7-84AF-F694-B19E196237CD}"/>
+                <a16:creationId xmlns:a16="http://schemas.microsoft.com/office/drawing/2014/main" id="{5B6E82BF-F8AA-513B-39FE-C7EC81D7348E}"/>
               </a:ext>
             </a:extLst>
           </p:cNvPr>
@@ -8000,8 +7394,8 @@
         </p:nvCxnSpPr>
         <p:spPr>
           <a:xfrm flipV="1">
-            <a:off x="6432269" y="4841264"/>
-            <a:ext cx="1748116" cy="8964"/>
+            <a:off x="3687337" y="3291467"/>
+            <a:ext cx="5765179" cy="42747"/>
           </a:xfrm>
           <a:prstGeom prst="straightConnector1">
             <a:avLst/>
@@ -8029,10 +7423,10 @@
       </p:cxnSp>
       <p:cxnSp>
         <p:nvCxnSpPr>
-          <p:cNvPr id="22" name="Straight Arrow Connector 21">
+          <p:cNvPr id="26" name="Straight Arrow Connector 25">
             <a:extLst>
               <a:ext uri="{FF2B5EF4-FFF2-40B4-BE49-F238E27FC236}">
-                <a16:creationId xmlns:a16="http://schemas.microsoft.com/office/drawing/2014/main" id="{A8E3C943-DE23-831F-4570-CE37FF8E8AB0}"/>
+                <a16:creationId xmlns:a16="http://schemas.microsoft.com/office/drawing/2014/main" id="{C4A027EF-91A8-96F9-D253-52960B11173E}"/>
               </a:ext>
             </a:extLst>
           </p:cNvPr>
@@ -8043,190 +7437,8 @@
         </p:nvCxnSpPr>
         <p:spPr>
           <a:xfrm flipV="1">
-            <a:off x="1851304" y="5101240"/>
-            <a:ext cx="5853951" cy="8964"/>
-          </a:xfrm>
-          <a:prstGeom prst="straightConnector1">
-            <a:avLst/>
-          </a:prstGeom>
-          <a:ln>
-            <a:solidFill>
-              <a:srgbClr val="FF0000"/>
-            </a:solidFill>
-          </a:ln>
-        </p:spPr>
-        <p:style>
-          <a:lnRef idx="1">
-            <a:schemeClr val="accent1"/>
-          </a:lnRef>
-          <a:fillRef idx="0">
-            <a:schemeClr val="accent1"/>
-          </a:fillRef>
-          <a:effectRef idx="0">
-            <a:schemeClr val="accent1"/>
-          </a:effectRef>
-          <a:fontRef idx="minor">
-            <a:schemeClr val="tx1"/>
-          </a:fontRef>
-        </p:style>
-      </p:cxnSp>
-    </p:spTree>
-    <p:extLst>
-      <p:ext uri="{BB962C8B-B14F-4D97-AF65-F5344CB8AC3E}">
-        <p14:creationId xmlns:p14="http://schemas.microsoft.com/office/powerpoint/2010/main" val="3343253979"/>
-      </p:ext>
-    </p:extLst>
-  </p:cSld>
-  <p:clrMapOvr>
-    <a:masterClrMapping/>
-  </p:clrMapOvr>
-</p:sld>
-</file>
-
-<file path=ppt/slides/slide7.xml><?xml version="1.0" encoding="utf-8"?>
-<p:sld xmlns:a="http://schemas.openxmlformats.org/drawingml/2006/main" xmlns:r="http://schemas.openxmlformats.org/officeDocument/2006/relationships" xmlns:p="http://schemas.openxmlformats.org/presentationml/2006/main">
-  <p:cSld>
-    <p:spTree>
-      <p:nvGrpSpPr>
-        <p:cNvPr id="1" name=""/>
-        <p:cNvGrpSpPr/>
-        <p:nvPr/>
-      </p:nvGrpSpPr>
-      <p:grpSpPr>
-        <a:xfrm>
-          <a:off x="0" y="0"/>
-          <a:ext cx="0" cy="0"/>
-          <a:chOff x="0" y="0"/>
-          <a:chExt cx="0" cy="0"/>
-        </a:xfrm>
-      </p:grpSpPr>
-      <p:sp>
-        <p:nvSpPr>
-          <p:cNvPr id="2" name="제목 1">
-            <a:extLst>
-              <a:ext uri="{FF2B5EF4-FFF2-40B4-BE49-F238E27FC236}">
-                <a16:creationId xmlns:a16="http://schemas.microsoft.com/office/drawing/2014/main" id="{C9148387-57D9-1341-8EAC-7B55E33DD944}"/>
-              </a:ext>
-            </a:extLst>
-          </p:cNvPr>
-          <p:cNvSpPr>
-            <a:spLocks noGrp="1"/>
-          </p:cNvSpPr>
-          <p:nvPr>
-            <p:ph type="title"/>
-          </p:nvPr>
-        </p:nvSpPr>
-        <p:spPr/>
-        <p:txBody>
-          <a:bodyPr/>
-          <a:lstStyle/>
-          <a:p>
-            <a:r>
-              <a:rPr lang="ko-Kore-KR" altLang="en-US">
-                <a:ea typeface="맑은 고딕"/>
-              </a:rPr>
-              <a:t>튜플</a:t>
-            </a:r>
-            <a:endParaRPr kumimoji="1" lang="ko-Kore-KR" altLang="en-US" dirty="0"/>
-          </a:p>
-        </p:txBody>
-      </p:sp>
-      <p:sp>
-        <p:nvSpPr>
-          <p:cNvPr id="4" name="텍스트 개체 틀 3">
-            <a:extLst>
-              <a:ext uri="{FF2B5EF4-FFF2-40B4-BE49-F238E27FC236}">
-                <a16:creationId xmlns:a16="http://schemas.microsoft.com/office/drawing/2014/main" id="{A813A557-3DB4-9146-8DD6-1CDB7C599F79}"/>
-              </a:ext>
-            </a:extLst>
-          </p:cNvPr>
-          <p:cNvSpPr>
-            <a:spLocks noGrp="1"/>
-          </p:cNvSpPr>
-          <p:nvPr>
-            <p:ph type="body" sz="quarter" idx="14"/>
-          </p:nvPr>
-        </p:nvSpPr>
-        <p:spPr/>
-        <p:txBody>
-          <a:bodyPr vert="horz" lIns="91440" tIns="45720" rIns="91440" bIns="45720" rtlCol="0" anchor="t">
-            <a:normAutofit/>
-          </a:bodyPr>
-          <a:lstStyle/>
-          <a:p>
-            <a:r>
-              <a:rPr lang="ko-Kore-KR" altLang="en-US" dirty="0" err="1">
-                <a:ea typeface="맑은 고딕"/>
-              </a:rPr>
-              <a:t>문제</a:t>
-            </a:r>
-            <a:r>
-              <a:rPr lang="ko-Kore-KR" altLang="en-US" dirty="0">
-                <a:ea typeface="맑은 고딕"/>
-              </a:rPr>
-              <a:t> </a:t>
-            </a:r>
-            <a:r>
-              <a:rPr lang="ko-Kore-KR" altLang="en-US" dirty="0" err="1">
-                <a:ea typeface="맑은 고딕"/>
-              </a:rPr>
-              <a:t>설명</a:t>
-            </a:r>
-            <a:r>
-              <a:rPr lang="ko-Kore-KR" altLang="en-US" dirty="0">
-                <a:ea typeface="맑은 고딕"/>
-              </a:rPr>
-              <a:t> </a:t>
-            </a:r>
-            <a:endParaRPr kumimoji="1" lang="ko-Kore-KR" altLang="en-US" dirty="0"/>
-          </a:p>
-        </p:txBody>
-      </p:sp>
-      <p:pic>
-        <p:nvPicPr>
-          <p:cNvPr id="6" name="Picture 6" descr="Graphical user interface&#10;&#10;Description automatically generated">
-            <a:extLst>
-              <a:ext uri="{FF2B5EF4-FFF2-40B4-BE49-F238E27FC236}">
-                <a16:creationId xmlns:a16="http://schemas.microsoft.com/office/drawing/2014/main" id="{D20C606F-945A-52B0-72A8-793A3A7378FF}"/>
-              </a:ext>
-            </a:extLst>
-          </p:cNvPr>
-          <p:cNvPicPr>
-            <a:picLocks noGrp="1" noChangeAspect="1"/>
-          </p:cNvPicPr>
-          <p:nvPr>
-            <p:ph idx="1"/>
-          </p:nvPr>
-        </p:nvPicPr>
-        <p:blipFill>
-          <a:blip r:embed="rId2"/>
-          <a:stretch>
-            <a:fillRect/>
-          </a:stretch>
-        </p:blipFill>
-        <p:spPr>
-          <a:xfrm>
-            <a:off x="430586" y="1927366"/>
-            <a:ext cx="3406027" cy="2266950"/>
-          </a:xfrm>
-        </p:spPr>
-      </p:pic>
-      <p:cxnSp>
-        <p:nvCxnSpPr>
-          <p:cNvPr id="8" name="Straight Arrow Connector 7">
-            <a:extLst>
-              <a:ext uri="{FF2B5EF4-FFF2-40B4-BE49-F238E27FC236}">
-                <a16:creationId xmlns:a16="http://schemas.microsoft.com/office/drawing/2014/main" id="{A5966F94-3120-DE9A-D86C-576A6F6F27AC}"/>
-              </a:ext>
-            </a:extLst>
-          </p:cNvPr>
-          <p:cNvCxnSpPr/>
-          <p:nvPr/>
-        </p:nvCxnSpPr>
-        <p:spPr>
-          <a:xfrm>
-            <a:off x="3379134" y="3249145"/>
-            <a:ext cx="1416423" cy="394448"/>
+            <a:off x="8365039" y="2523659"/>
+            <a:ext cx="1481254" cy="5577"/>
           </a:xfrm>
           <a:prstGeom prst="straightConnector1">
             <a:avLst/>
@@ -8255,10 +7467,10 @@
       </p:cxnSp>
       <p:sp>
         <p:nvSpPr>
-          <p:cNvPr id="9" name="TextBox 8">
+          <p:cNvPr id="27" name="TextBox 26">
             <a:extLst>
               <a:ext uri="{FF2B5EF4-FFF2-40B4-BE49-F238E27FC236}">
-                <a16:creationId xmlns:a16="http://schemas.microsoft.com/office/drawing/2014/main" id="{6F6A3DAA-D024-216F-5BB3-DEA188E7CBD8}"/>
+                <a16:creationId xmlns:a16="http://schemas.microsoft.com/office/drawing/2014/main" id="{FECB173F-BC81-C661-9FC6-5F5518913E59}"/>
               </a:ext>
             </a:extLst>
           </p:cNvPr>
@@ -8267,8 +7479,8 @@
         </p:nvSpPr>
         <p:spPr>
           <a:xfrm>
-            <a:off x="5029199" y="3460376"/>
-            <a:ext cx="6042211" cy="646331"/>
+            <a:off x="9905999" y="2406805"/>
+            <a:ext cx="2128024" cy="307777"/>
           </a:xfrm>
           <a:prstGeom prst="rect">
             <a:avLst/>
@@ -8285,151 +7497,60 @@
           <a:lstStyle/>
           <a:p>
             <a:r>
-              <a:rPr lang="en-US" dirty="0">
+              <a:rPr lang="ko-KR" altLang="en-US" sz="1400" dirty="0">
                 <a:ea typeface="맑은 고딕"/>
               </a:rPr>
-              <a:t>[1,2,1,3] [1,4,1,2] </a:t>
-            </a:r>
-            <a:r>
-              <a:rPr lang="ko-KR" altLang="en-US" dirty="0">
+              <a:t>점프만을 사용해 이동</a:t>
+            </a:r>
+          </a:p>
+        </p:txBody>
+      </p:sp>
+      <p:sp>
+        <p:nvSpPr>
+          <p:cNvPr id="29" name="TextBox 28">
+            <a:extLst>
+              <a:ext uri="{FF2B5EF4-FFF2-40B4-BE49-F238E27FC236}">
+                <a16:creationId xmlns:a16="http://schemas.microsoft.com/office/drawing/2014/main" id="{F8DB8E39-C498-A1BE-532C-A1A9BFD6E44F}"/>
+              </a:ext>
+            </a:extLst>
+          </p:cNvPr>
+          <p:cNvSpPr txBox="1"/>
+          <p:nvPr/>
+        </p:nvSpPr>
+        <p:spPr>
+          <a:xfrm>
+            <a:off x="9961755" y="2759927"/>
+            <a:ext cx="2128024" cy="307777"/>
+          </a:xfrm>
+          <a:prstGeom prst="rect">
+            <a:avLst/>
+          </a:prstGeom>
+          <a:noFill/>
+        </p:spPr>
+        <p:txBody>
+          <a:bodyPr rot="0" spcFirstLastPara="0" vertOverflow="overflow" horzOverflow="overflow" vert="horz" wrap="square" lIns="91440" tIns="45720" rIns="91440" bIns="45720" numCol="1" spcCol="0" rtlCol="0" fromWordArt="0" anchor="t" anchorCtr="0" forceAA="0" compatLnSpc="1">
+            <a:prstTxWarp prst="textNoShape">
+              <a:avLst/>
+            </a:prstTxWarp>
+            <a:spAutoFit/>
+          </a:bodyPr>
+          <a:lstStyle/>
+          <a:p>
+            <a:r>
+              <a:rPr lang="ko-KR" altLang="en-US" sz="1400" dirty="0">
                 <a:ea typeface="맑은 고딕"/>
               </a:rPr>
-              <a:t>일</a:t>
-            </a:r>
-            <a:r>
-              <a:rPr lang="en-US" dirty="0">
-                <a:ea typeface="맑은 고딕"/>
-              </a:rPr>
-              <a:t> </a:t>
-            </a:r>
-            <a:r>
-              <a:rPr lang="ko-KR" altLang="en-US" dirty="0">
-                <a:ea typeface="맑은 고딕"/>
-              </a:rPr>
-              <a:t>경우와</a:t>
-            </a:r>
-            <a:r>
-              <a:rPr lang="en-US" altLang="ko-KR" dirty="0">
-                <a:ea typeface="맑은 고딕"/>
-              </a:rPr>
-              <a:t> [1,2,1,3,1] , [4,1,2] 일 </a:t>
-            </a:r>
-            <a:r>
-              <a:rPr lang="en-US" altLang="ko-KR" dirty="0" err="1">
-                <a:ea typeface="맑은 고딕"/>
-              </a:rPr>
-              <a:t>경우</a:t>
-            </a:r>
-            <a:r>
-              <a:rPr lang="en-US" altLang="ko-KR" dirty="0">
-                <a:ea typeface="맑은 고딕"/>
-              </a:rPr>
-              <a:t> </a:t>
-            </a:r>
-            <a:endParaRPr lang="ko-KR" altLang="en-US">
-              <a:ea typeface="맑은 고딕"/>
-            </a:endParaRPr>
-          </a:p>
-          <a:p>
-            <a:r>
-              <a:rPr lang="en-US" altLang="ko-KR" dirty="0">
-                <a:ea typeface="맑은 고딕"/>
-              </a:rPr>
-              <a:t>두 </a:t>
-            </a:r>
-            <a:r>
-              <a:rPr lang="en-US" altLang="ko-KR" dirty="0" err="1">
-                <a:ea typeface="맑은 고딕"/>
-              </a:rPr>
-              <a:t>경우의</a:t>
-            </a:r>
-            <a:r>
-              <a:rPr lang="en-US" altLang="ko-KR" dirty="0">
-                <a:ea typeface="맑은 고딕"/>
-              </a:rPr>
-              <a:t> </a:t>
-            </a:r>
-            <a:r>
-              <a:rPr lang="en-US" altLang="ko-KR" dirty="0" err="1">
-                <a:ea typeface="맑은 고딕"/>
-              </a:rPr>
-              <a:t>수로</a:t>
-            </a:r>
-            <a:r>
-              <a:rPr lang="en-US" altLang="ko-KR" dirty="0">
-                <a:ea typeface="맑은 고딕"/>
-              </a:rPr>
-              <a:t> </a:t>
-            </a:r>
-            <a:r>
-              <a:rPr lang="en-US" altLang="ko-KR" dirty="0" err="1">
-                <a:ea typeface="맑은 고딕"/>
-              </a:rPr>
-              <a:t>토핑을</a:t>
-            </a:r>
-            <a:r>
-              <a:rPr lang="en-US" altLang="ko-KR" dirty="0">
-                <a:ea typeface="맑은 고딕"/>
-              </a:rPr>
-              <a:t> </a:t>
-            </a:r>
-            <a:r>
-              <a:rPr lang="en-US" altLang="ko-KR" dirty="0" err="1">
-                <a:ea typeface="맑은 고딕"/>
-              </a:rPr>
-              <a:t>공평하게</a:t>
-            </a:r>
-            <a:r>
-              <a:rPr lang="en-US" altLang="ko-KR" dirty="0">
-                <a:ea typeface="맑은 고딕"/>
-              </a:rPr>
-              <a:t> </a:t>
-            </a:r>
-            <a:r>
-              <a:rPr lang="en-US" altLang="ko-KR" dirty="0" err="1">
-                <a:ea typeface="맑은 고딕"/>
-              </a:rPr>
-              <a:t>나눠먹는</a:t>
-            </a:r>
-            <a:r>
-              <a:rPr lang="en-US" altLang="ko-KR" dirty="0">
-                <a:ea typeface="맑은 고딕"/>
-              </a:rPr>
-              <a:t> </a:t>
-            </a:r>
-            <a:r>
-              <a:rPr lang="en-US" altLang="ko-KR" dirty="0" err="1">
-                <a:ea typeface="맑은 고딕"/>
-              </a:rPr>
-              <a:t>수가</a:t>
-            </a:r>
-            <a:r>
-              <a:rPr lang="en-US" altLang="ko-KR" dirty="0">
-                <a:ea typeface="맑은 고딕"/>
-              </a:rPr>
-              <a:t> </a:t>
-            </a:r>
-            <a:r>
-              <a:rPr lang="en-US" altLang="ko-KR" dirty="0" err="1">
-                <a:ea typeface="맑은 고딕"/>
-              </a:rPr>
-              <a:t>있다</a:t>
-            </a:r>
-            <a:r>
-              <a:rPr lang="en-US" altLang="ko-KR" dirty="0">
-                <a:ea typeface="맑은 고딕"/>
-              </a:rPr>
-              <a:t>.</a:t>
+              <a:t>점프만을 사용해 이동</a:t>
             </a:r>
           </a:p>
         </p:txBody>
       </p:sp>
       <p:cxnSp>
         <p:nvCxnSpPr>
-          <p:cNvPr id="10" name="Straight Arrow Connector 9">
+          <p:cNvPr id="30" name="Straight Arrow Connector 29">
             <a:extLst>
               <a:ext uri="{FF2B5EF4-FFF2-40B4-BE49-F238E27FC236}">
-                <a16:creationId xmlns:a16="http://schemas.microsoft.com/office/drawing/2014/main" id="{A57F7E38-6DD2-6BD5-B655-49AB7DAFADE5}"/>
+                <a16:creationId xmlns:a16="http://schemas.microsoft.com/office/drawing/2014/main" id="{78BD8D4D-4133-AEB0-51E7-D26C71743FE3}"/>
               </a:ext>
             </a:extLst>
           </p:cNvPr>
@@ -8440,8 +7561,8 @@
         </p:nvCxnSpPr>
         <p:spPr>
           <a:xfrm>
-            <a:off x="3074333" y="3912533"/>
-            <a:ext cx="1308847" cy="896471"/>
+            <a:off x="9498747" y="3365576"/>
+            <a:ext cx="607741" cy="13009"/>
           </a:xfrm>
           <a:prstGeom prst="straightConnector1">
             <a:avLst/>
@@ -8468,12 +7589,98 @@
           </a:fontRef>
         </p:style>
       </p:cxnSp>
-      <p:sp>
-        <p:nvSpPr>
-          <p:cNvPr id="11" name="TextBox 10">
+      <p:cxnSp>
+        <p:nvCxnSpPr>
+          <p:cNvPr id="32" name="Straight Arrow Connector 31">
             <a:extLst>
               <a:ext uri="{FF2B5EF4-FFF2-40B4-BE49-F238E27FC236}">
-                <a16:creationId xmlns:a16="http://schemas.microsoft.com/office/drawing/2014/main" id="{AEBC308F-FD5A-F821-E867-2C7F84E0B58D}"/>
+                <a16:creationId xmlns:a16="http://schemas.microsoft.com/office/drawing/2014/main" id="{3574DE17-F405-B501-157A-ED902C159DD3}"/>
+              </a:ext>
+            </a:extLst>
+          </p:cNvPr>
+          <p:cNvCxnSpPr>
+            <a:cxnSpLocks/>
+          </p:cNvCxnSpPr>
+          <p:nvPr/>
+        </p:nvCxnSpPr>
+        <p:spPr>
+          <a:xfrm flipV="1">
+            <a:off x="3733800" y="3505198"/>
+            <a:ext cx="5830227" cy="5577"/>
+          </a:xfrm>
+          <a:prstGeom prst="straightConnector1">
+            <a:avLst/>
+          </a:prstGeom>
+          <a:ln>
+            <a:solidFill>
+              <a:srgbClr val="FF0000"/>
+            </a:solidFill>
+          </a:ln>
+        </p:spPr>
+        <p:style>
+          <a:lnRef idx="1">
+            <a:schemeClr val="accent1"/>
+          </a:lnRef>
+          <a:fillRef idx="0">
+            <a:schemeClr val="accent1"/>
+          </a:fillRef>
+          <a:effectRef idx="0">
+            <a:schemeClr val="accent1"/>
+          </a:effectRef>
+          <a:fontRef idx="minor">
+            <a:schemeClr val="tx1"/>
+          </a:fontRef>
+        </p:style>
+      </p:cxnSp>
+      <p:cxnSp>
+        <p:nvCxnSpPr>
+          <p:cNvPr id="33" name="Straight Arrow Connector 32">
+            <a:extLst>
+              <a:ext uri="{FF2B5EF4-FFF2-40B4-BE49-F238E27FC236}">
+                <a16:creationId xmlns:a16="http://schemas.microsoft.com/office/drawing/2014/main" id="{53780D96-3FD9-ED4B-91DB-6BA555343F03}"/>
+              </a:ext>
+            </a:extLst>
+          </p:cNvPr>
+          <p:cNvCxnSpPr>
+            <a:cxnSpLocks/>
+          </p:cNvCxnSpPr>
+          <p:nvPr/>
+        </p:nvCxnSpPr>
+        <p:spPr>
+          <a:xfrm flipV="1">
+            <a:off x="3733800" y="3709637"/>
+            <a:ext cx="4445618" cy="33455"/>
+          </a:xfrm>
+          <a:prstGeom prst="straightConnector1">
+            <a:avLst/>
+          </a:prstGeom>
+          <a:ln>
+            <a:solidFill>
+              <a:srgbClr val="FF0000"/>
+            </a:solidFill>
+          </a:ln>
+        </p:spPr>
+        <p:style>
+          <a:lnRef idx="1">
+            <a:schemeClr val="accent1"/>
+          </a:lnRef>
+          <a:fillRef idx="0">
+            <a:schemeClr val="accent1"/>
+          </a:fillRef>
+          <a:effectRef idx="0">
+            <a:schemeClr val="accent1"/>
+          </a:effectRef>
+          <a:fontRef idx="minor">
+            <a:schemeClr val="tx1"/>
+          </a:fontRef>
+        </p:style>
+      </p:cxnSp>
+      <p:sp>
+        <p:nvSpPr>
+          <p:cNvPr id="34" name="TextBox 33">
+            <a:extLst>
+              <a:ext uri="{FF2B5EF4-FFF2-40B4-BE49-F238E27FC236}">
+                <a16:creationId xmlns:a16="http://schemas.microsoft.com/office/drawing/2014/main" id="{F0336C2B-894F-AA33-445A-614009A3F9F3}"/>
               </a:ext>
             </a:extLst>
           </p:cNvPr>
@@ -8482,8 +7689,8 @@
         </p:nvSpPr>
         <p:spPr>
           <a:xfrm>
-            <a:off x="4580963" y="4715434"/>
-            <a:ext cx="6042211" cy="646331"/>
+            <a:off x="9989632" y="3205975"/>
+            <a:ext cx="2128024" cy="523220"/>
           </a:xfrm>
           <a:prstGeom prst="rect">
             <a:avLst/>
@@ -8500,136 +7707,700 @@
           <a:lstStyle/>
           <a:p>
             <a:r>
-              <a:rPr lang="en-US" altLang="ko-KR" dirty="0" err="1">
+              <a:rPr lang="ko-KR" altLang="en-US" sz="1400" dirty="0">
                 <a:ea typeface="맑은 고딕"/>
               </a:rPr>
-              <a:t>토핑의</a:t>
-            </a:r>
-            <a:r>
-              <a:rPr lang="en-US" altLang="ko-KR" dirty="0">
+              <a:t>점프와 순간이동을 적절히 사용해 이동</a:t>
+            </a:r>
+          </a:p>
+        </p:txBody>
+      </p:sp>
+      <p:pic>
+        <p:nvPicPr>
+          <p:cNvPr id="3" name="Graphic 4" descr="Lightbulb with solid fill">
+            <a:extLst>
+              <a:ext uri="{FF2B5EF4-FFF2-40B4-BE49-F238E27FC236}">
+                <a16:creationId xmlns:a16="http://schemas.microsoft.com/office/drawing/2014/main" id="{48DB2C8C-B883-3944-32A6-62F25C5FC406}"/>
+              </a:ext>
+            </a:extLst>
+          </p:cNvPr>
+          <p:cNvPicPr>
+            <a:picLocks noChangeAspect="1"/>
+          </p:cNvPicPr>
+          <p:nvPr/>
+        </p:nvPicPr>
+        <p:blipFill>
+          <a:blip r:embed="rId4">
+            <a:extLst>
+              <a:ext uri="{96DAC541-7B7A-43D3-8B79-37D633B846F1}">
+                <asvg:svgBlip xmlns:asvg="http://schemas.microsoft.com/office/drawing/2016/SVG/main" r:embed="rId5"/>
+              </a:ext>
+            </a:extLst>
+          </a:blip>
+          <a:stretch>
+            <a:fillRect/>
+          </a:stretch>
+        </p:blipFill>
+        <p:spPr>
+          <a:xfrm>
+            <a:off x="908824" y="5666679"/>
+            <a:ext cx="459060" cy="468352"/>
+          </a:xfrm>
+          <a:prstGeom prst="rect">
+            <a:avLst/>
+          </a:prstGeom>
+        </p:spPr>
+      </p:pic>
+      <p:sp>
+        <p:nvSpPr>
+          <p:cNvPr id="5" name="TextBox 4">
+            <a:extLst>
+              <a:ext uri="{FF2B5EF4-FFF2-40B4-BE49-F238E27FC236}">
+                <a16:creationId xmlns:a16="http://schemas.microsoft.com/office/drawing/2014/main" id="{1335B23C-4CF6-D5A7-06CF-425284F3D936}"/>
+              </a:ext>
+            </a:extLst>
+          </p:cNvPr>
+          <p:cNvSpPr txBox="1"/>
+          <p:nvPr/>
+        </p:nvSpPr>
+        <p:spPr>
+          <a:xfrm>
+            <a:off x="1477536" y="5640658"/>
+            <a:ext cx="9682975" cy="646331"/>
+          </a:xfrm>
+          <a:prstGeom prst="rect">
+            <a:avLst/>
+          </a:prstGeom>
+          <a:noFill/>
+        </p:spPr>
+        <p:txBody>
+          <a:bodyPr rot="0" spcFirstLastPara="0" vertOverflow="overflow" horzOverflow="overflow" vert="horz" wrap="square" lIns="91440" tIns="45720" rIns="91440" bIns="45720" numCol="1" spcCol="0" rtlCol="0" fromWordArt="0" anchor="t" anchorCtr="0" forceAA="0" compatLnSpc="1">
+            <a:prstTxWarp prst="textNoShape">
+              <a:avLst/>
+            </a:prstTxWarp>
+            <a:spAutoFit/>
+          </a:bodyPr>
+          <a:lstStyle/>
+          <a:p>
+            <a:r>
+              <a:rPr lang="ko-KR" altLang="en-US" dirty="0">
                 <a:ea typeface="맑은 고딕"/>
               </a:rPr>
-              <a:t> </a:t>
-            </a:r>
-            <a:r>
-              <a:rPr lang="en-US" altLang="ko-KR" dirty="0" err="1">
+              <a:t>이동하고자 하는 거리가 2로 나누어 떨어진다면 건전지를 사용하지 않고 </a:t>
+            </a:r>
+            <a:endParaRPr lang="en-US" dirty="0">
+              <a:ea typeface="맑은 고딕"/>
+            </a:endParaRPr>
+          </a:p>
+          <a:p>
+            <a:r>
+              <a:rPr lang="ko-KR" altLang="en-US" dirty="0">
                 <a:ea typeface="맑은 고딕"/>
               </a:rPr>
-              <a:t>종류의</a:t>
-            </a:r>
-            <a:r>
-              <a:rPr lang="en-US" altLang="ko-KR" dirty="0">
+              <a:t>이동하고자 하는 거리가 2로 나누어 떨어지지 않는다면 점프를 사용 해야만 한다</a:t>
+            </a:r>
+          </a:p>
+        </p:txBody>
+      </p:sp>
+    </p:spTree>
+    <p:extLst>
+      <p:ext uri="{BB962C8B-B14F-4D97-AF65-F5344CB8AC3E}">
+        <p14:creationId xmlns:p14="http://schemas.microsoft.com/office/powerpoint/2010/main" val="1593983426"/>
+      </p:ext>
+    </p:extLst>
+  </p:cSld>
+  <p:clrMapOvr>
+    <a:masterClrMapping/>
+  </p:clrMapOvr>
+</p:sld>
+</file>
+
+<file path=ppt/slides/slide5.xml><?xml version="1.0" encoding="utf-8"?>
+<p:sld xmlns:a="http://schemas.openxmlformats.org/drawingml/2006/main" xmlns:r="http://schemas.openxmlformats.org/officeDocument/2006/relationships" xmlns:p="http://schemas.openxmlformats.org/presentationml/2006/main">
+  <p:cSld>
+    <p:spTree>
+      <p:nvGrpSpPr>
+        <p:cNvPr id="1" name=""/>
+        <p:cNvGrpSpPr/>
+        <p:nvPr/>
+      </p:nvGrpSpPr>
+      <p:grpSpPr>
+        <a:xfrm>
+          <a:off x="0" y="0"/>
+          <a:ext cx="0" cy="0"/>
+          <a:chOff x="0" y="0"/>
+          <a:chExt cx="0" cy="0"/>
+        </a:xfrm>
+      </p:grpSpPr>
+      <p:sp>
+        <p:nvSpPr>
+          <p:cNvPr id="2" name="제목 1">
+            <a:extLst>
+              <a:ext uri="{FF2B5EF4-FFF2-40B4-BE49-F238E27FC236}">
+                <a16:creationId xmlns:a16="http://schemas.microsoft.com/office/drawing/2014/main" id="{F81DA964-3E3F-7245-87CC-29849621EB43}"/>
+              </a:ext>
+            </a:extLst>
+          </p:cNvPr>
+          <p:cNvSpPr>
+            <a:spLocks noGrp="1"/>
+          </p:cNvSpPr>
+          <p:nvPr>
+            <p:ph type="title"/>
+          </p:nvPr>
+        </p:nvSpPr>
+        <p:spPr/>
+        <p:txBody>
+          <a:bodyPr/>
+          <a:lstStyle/>
+          <a:p>
+            <a:r>
+              <a:rPr lang="en-US" altLang="en-US" dirty="0">
+                <a:ea typeface="맑은 고딕"/>
+              </a:rPr>
+              <a:t>귤 </a:t>
+            </a:r>
+            <a:r>
+              <a:rPr lang="en-US" altLang="en-US" dirty="0" err="1">
+                <a:ea typeface="맑은 고딕"/>
+              </a:rPr>
+              <a:t>고르기</a:t>
+            </a:r>
+          </a:p>
+        </p:txBody>
+      </p:sp>
+    </p:spTree>
+    <p:extLst>
+      <p:ext uri="{BB962C8B-B14F-4D97-AF65-F5344CB8AC3E}">
+        <p14:creationId xmlns:p14="http://schemas.microsoft.com/office/powerpoint/2010/main" val="4085991559"/>
+      </p:ext>
+    </p:extLst>
+  </p:cSld>
+  <p:clrMapOvr>
+    <a:masterClrMapping/>
+  </p:clrMapOvr>
+</p:sld>
+</file>
+
+<file path=ppt/slides/slide6.xml><?xml version="1.0" encoding="utf-8"?>
+<p:sld xmlns:a="http://schemas.openxmlformats.org/drawingml/2006/main" xmlns:r="http://schemas.openxmlformats.org/officeDocument/2006/relationships" xmlns:p="http://schemas.openxmlformats.org/presentationml/2006/main">
+  <p:cSld>
+    <p:spTree>
+      <p:nvGrpSpPr>
+        <p:cNvPr id="1" name=""/>
+        <p:cNvGrpSpPr/>
+        <p:nvPr/>
+      </p:nvGrpSpPr>
+      <p:grpSpPr>
+        <a:xfrm>
+          <a:off x="0" y="0"/>
+          <a:ext cx="0" cy="0"/>
+          <a:chOff x="0" y="0"/>
+          <a:chExt cx="0" cy="0"/>
+        </a:xfrm>
+      </p:grpSpPr>
+      <p:sp>
+        <p:nvSpPr>
+          <p:cNvPr id="2" name="제목 1">
+            <a:extLst>
+              <a:ext uri="{FF2B5EF4-FFF2-40B4-BE49-F238E27FC236}">
+                <a16:creationId xmlns:a16="http://schemas.microsoft.com/office/drawing/2014/main" id="{C9148387-57D9-1341-8EAC-7B55E33DD944}"/>
+              </a:ext>
+            </a:extLst>
+          </p:cNvPr>
+          <p:cNvSpPr>
+            <a:spLocks noGrp="1"/>
+          </p:cNvSpPr>
+          <p:nvPr>
+            <p:ph type="title"/>
+          </p:nvPr>
+        </p:nvSpPr>
+        <p:spPr/>
+        <p:txBody>
+          <a:bodyPr/>
+          <a:lstStyle/>
+          <a:p>
+            <a:r>
+              <a:rPr lang="en-US" altLang="en-US" dirty="0">
+                <a:ea typeface="맑은 고딕"/>
+              </a:rPr>
+              <a:t>귤 </a:t>
+            </a:r>
+            <a:r>
+              <a:rPr lang="en-US" altLang="en-US" dirty="0" err="1">
+                <a:ea typeface="맑은 고딕"/>
+              </a:rPr>
+              <a:t>고르기</a:t>
+            </a:r>
+            <a:r>
+              <a:rPr lang="en-US" altLang="en-US" dirty="0">
                 <a:ea typeface="맑은 고딕"/>
               </a:rPr>
               <a:t> </a:t>
             </a:r>
-            <a:r>
-              <a:rPr lang="en-US" altLang="ko-KR" dirty="0" err="1">
+          </a:p>
+        </p:txBody>
+      </p:sp>
+      <p:sp>
+        <p:nvSpPr>
+          <p:cNvPr id="4" name="텍스트 개체 틀 3">
+            <a:extLst>
+              <a:ext uri="{FF2B5EF4-FFF2-40B4-BE49-F238E27FC236}">
+                <a16:creationId xmlns:a16="http://schemas.microsoft.com/office/drawing/2014/main" id="{A813A557-3DB4-9146-8DD6-1CDB7C599F79}"/>
+              </a:ext>
+            </a:extLst>
+          </p:cNvPr>
+          <p:cNvSpPr>
+            <a:spLocks noGrp="1"/>
+          </p:cNvSpPr>
+          <p:nvPr>
+            <p:ph type="body" sz="quarter" idx="14"/>
+          </p:nvPr>
+        </p:nvSpPr>
+        <p:spPr/>
+        <p:txBody>
+          <a:bodyPr vert="horz" lIns="91440" tIns="45720" rIns="91440" bIns="45720" rtlCol="0" anchor="t">
+            <a:normAutofit/>
+          </a:bodyPr>
+          <a:lstStyle/>
+          <a:p>
+            <a:r>
+              <a:rPr lang="ko-Kore-KR" altLang="en-US" dirty="0" err="1">
                 <a:ea typeface="맑은 고딕"/>
               </a:rPr>
-              <a:t>수가</a:t>
-            </a:r>
-            <a:r>
-              <a:rPr lang="en-US" altLang="ko-KR" dirty="0">
+              <a:t>문제</a:t>
+            </a:r>
+            <a:r>
+              <a:rPr lang="ko-Kore-KR" altLang="en-US">
                 <a:ea typeface="맑은 고딕"/>
               </a:rPr>
-              <a:t> </a:t>
-            </a:r>
-            <a:r>
-              <a:rPr lang="en-US" altLang="ko-KR" dirty="0" err="1">
+              <a:t> 설명</a:t>
+            </a:r>
+            <a:endParaRPr kumimoji="1" lang="ko-Kore-KR" altLang="en-US" dirty="0"/>
+          </a:p>
+        </p:txBody>
+      </p:sp>
+      <p:pic>
+        <p:nvPicPr>
+          <p:cNvPr id="38" name="Picture 38" descr="Text&#10;&#10;Description automatically generated">
+            <a:extLst>
+              <a:ext uri="{FF2B5EF4-FFF2-40B4-BE49-F238E27FC236}">
+                <a16:creationId xmlns:a16="http://schemas.microsoft.com/office/drawing/2014/main" id="{036B8F5E-6A33-F440-A375-5D366CCD774B}"/>
+              </a:ext>
+            </a:extLst>
+          </p:cNvPr>
+          <p:cNvPicPr>
+            <a:picLocks noChangeAspect="1"/>
+          </p:cNvPicPr>
+          <p:nvPr/>
+        </p:nvPicPr>
+        <p:blipFill>
+          <a:blip r:embed="rId2"/>
+          <a:stretch>
+            <a:fillRect/>
+          </a:stretch>
+        </p:blipFill>
+        <p:spPr>
+          <a:xfrm>
+            <a:off x="291791" y="1942807"/>
+            <a:ext cx="7659029" cy="2535629"/>
+          </a:xfrm>
+          <a:prstGeom prst="rect">
+            <a:avLst/>
+          </a:prstGeom>
+        </p:spPr>
+      </p:pic>
+      <p:cxnSp>
+        <p:nvCxnSpPr>
+          <p:cNvPr id="39" name="Straight Arrow Connector 38">
+            <a:extLst>
+              <a:ext uri="{FF2B5EF4-FFF2-40B4-BE49-F238E27FC236}">
+                <a16:creationId xmlns:a16="http://schemas.microsoft.com/office/drawing/2014/main" id="{E526F02B-44D0-DAF6-6110-758CE6FF1FDC}"/>
+              </a:ext>
+            </a:extLst>
+          </p:cNvPr>
+          <p:cNvCxnSpPr/>
+          <p:nvPr/>
+        </p:nvCxnSpPr>
+        <p:spPr>
+          <a:xfrm flipV="1">
+            <a:off x="3259873" y="2213516"/>
+            <a:ext cx="3767253" cy="5576"/>
+          </a:xfrm>
+          <a:prstGeom prst="straightConnector1">
+            <a:avLst/>
+          </a:prstGeom>
+          <a:ln>
+            <a:solidFill>
+              <a:srgbClr val="FF0000"/>
+            </a:solidFill>
+          </a:ln>
+        </p:spPr>
+        <p:style>
+          <a:lnRef idx="1">
+            <a:schemeClr val="accent1"/>
+          </a:lnRef>
+          <a:fillRef idx="0">
+            <a:schemeClr val="accent1"/>
+          </a:fillRef>
+          <a:effectRef idx="0">
+            <a:schemeClr val="accent1"/>
+          </a:effectRef>
+          <a:fontRef idx="minor">
+            <a:schemeClr val="tx1"/>
+          </a:fontRef>
+        </p:style>
+      </p:cxnSp>
+      <p:cxnSp>
+        <p:nvCxnSpPr>
+          <p:cNvPr id="40" name="Straight Arrow Connector 39">
+            <a:extLst>
+              <a:ext uri="{FF2B5EF4-FFF2-40B4-BE49-F238E27FC236}">
+                <a16:creationId xmlns:a16="http://schemas.microsoft.com/office/drawing/2014/main" id="{4E99EC87-46B7-10C0-8623-2A234A229AC2}"/>
+              </a:ext>
+            </a:extLst>
+          </p:cNvPr>
+          <p:cNvCxnSpPr>
+            <a:cxnSpLocks/>
+          </p:cNvCxnSpPr>
+          <p:nvPr/>
+        </p:nvCxnSpPr>
+        <p:spPr>
+          <a:xfrm flipV="1">
+            <a:off x="4374994" y="2473712"/>
+            <a:ext cx="3442010" cy="5576"/>
+          </a:xfrm>
+          <a:prstGeom prst="straightConnector1">
+            <a:avLst/>
+          </a:prstGeom>
+          <a:ln>
+            <a:solidFill>
+              <a:srgbClr val="FF0000"/>
+            </a:solidFill>
+          </a:ln>
+        </p:spPr>
+        <p:style>
+          <a:lnRef idx="1">
+            <a:schemeClr val="accent1"/>
+          </a:lnRef>
+          <a:fillRef idx="0">
+            <a:schemeClr val="accent1"/>
+          </a:fillRef>
+          <a:effectRef idx="0">
+            <a:schemeClr val="accent1"/>
+          </a:effectRef>
+          <a:fontRef idx="minor">
+            <a:schemeClr val="tx1"/>
+          </a:fontRef>
+        </p:style>
+      </p:cxnSp>
+      <p:cxnSp>
+        <p:nvCxnSpPr>
+          <p:cNvPr id="42" name="Straight Arrow Connector 41">
+            <a:extLst>
+              <a:ext uri="{FF2B5EF4-FFF2-40B4-BE49-F238E27FC236}">
+                <a16:creationId xmlns:a16="http://schemas.microsoft.com/office/drawing/2014/main" id="{A6450294-32F5-D5AC-B8AF-FCE234BB68D9}"/>
+              </a:ext>
+            </a:extLst>
+          </p:cNvPr>
+          <p:cNvCxnSpPr>
+            <a:cxnSpLocks/>
+          </p:cNvCxnSpPr>
+          <p:nvPr/>
+        </p:nvCxnSpPr>
+        <p:spPr>
+          <a:xfrm flipV="1">
+            <a:off x="1038920" y="3152077"/>
+            <a:ext cx="3442010" cy="5576"/>
+          </a:xfrm>
+          <a:prstGeom prst="straightConnector1">
+            <a:avLst/>
+          </a:prstGeom>
+          <a:ln>
+            <a:solidFill>
+              <a:srgbClr val="FF0000"/>
+            </a:solidFill>
+          </a:ln>
+        </p:spPr>
+        <p:style>
+          <a:lnRef idx="1">
+            <a:schemeClr val="accent1"/>
+          </a:lnRef>
+          <a:fillRef idx="0">
+            <a:schemeClr val="accent1"/>
+          </a:fillRef>
+          <a:effectRef idx="0">
+            <a:schemeClr val="accent1"/>
+          </a:effectRef>
+          <a:fontRef idx="minor">
+            <a:schemeClr val="tx1"/>
+          </a:fontRef>
+        </p:style>
+      </p:cxnSp>
+      <p:cxnSp>
+        <p:nvCxnSpPr>
+          <p:cNvPr id="43" name="Straight Arrow Connector 42">
+            <a:extLst>
+              <a:ext uri="{FF2B5EF4-FFF2-40B4-BE49-F238E27FC236}">
+                <a16:creationId xmlns:a16="http://schemas.microsoft.com/office/drawing/2014/main" id="{C66329A0-7FA2-AD72-5DB0-077123B7837D}"/>
+              </a:ext>
+            </a:extLst>
+          </p:cNvPr>
+          <p:cNvCxnSpPr>
+            <a:cxnSpLocks/>
+          </p:cNvCxnSpPr>
+          <p:nvPr/>
+        </p:nvCxnSpPr>
+        <p:spPr>
+          <a:xfrm flipV="1">
+            <a:off x="5815359" y="3152075"/>
+            <a:ext cx="403303" cy="5576"/>
+          </a:xfrm>
+          <a:prstGeom prst="straightConnector1">
+            <a:avLst/>
+          </a:prstGeom>
+          <a:ln>
+            <a:solidFill>
+              <a:srgbClr val="FF0000"/>
+            </a:solidFill>
+          </a:ln>
+        </p:spPr>
+        <p:style>
+          <a:lnRef idx="1">
+            <a:schemeClr val="accent1"/>
+          </a:lnRef>
+          <a:fillRef idx="0">
+            <a:schemeClr val="accent1"/>
+          </a:fillRef>
+          <a:effectRef idx="0">
+            <a:schemeClr val="accent1"/>
+          </a:effectRef>
+          <a:fontRef idx="minor">
+            <a:schemeClr val="tx1"/>
+          </a:fontRef>
+        </p:style>
+      </p:cxnSp>
+      <p:cxnSp>
+        <p:nvCxnSpPr>
+          <p:cNvPr id="44" name="Straight Arrow Connector 43">
+            <a:extLst>
+              <a:ext uri="{FF2B5EF4-FFF2-40B4-BE49-F238E27FC236}">
+                <a16:creationId xmlns:a16="http://schemas.microsoft.com/office/drawing/2014/main" id="{E34F4199-1430-D9BA-8AC2-FD6DBFD78998}"/>
+              </a:ext>
+            </a:extLst>
+          </p:cNvPr>
+          <p:cNvCxnSpPr>
+            <a:cxnSpLocks/>
+          </p:cNvCxnSpPr>
+          <p:nvPr/>
+        </p:nvCxnSpPr>
+        <p:spPr>
+          <a:xfrm>
+            <a:off x="4570139" y="3427139"/>
+            <a:ext cx="1304693" cy="3716"/>
+          </a:xfrm>
+          <a:prstGeom prst="straightConnector1">
+            <a:avLst/>
+          </a:prstGeom>
+          <a:ln>
+            <a:solidFill>
+              <a:srgbClr val="FF0000"/>
+            </a:solidFill>
+          </a:ln>
+        </p:spPr>
+        <p:style>
+          <a:lnRef idx="1">
+            <a:schemeClr val="accent1"/>
+          </a:lnRef>
+          <a:fillRef idx="0">
+            <a:schemeClr val="accent1"/>
+          </a:fillRef>
+          <a:effectRef idx="0">
+            <a:schemeClr val="accent1"/>
+          </a:effectRef>
+          <a:fontRef idx="minor">
+            <a:schemeClr val="tx1"/>
+          </a:fontRef>
+        </p:style>
+      </p:cxnSp>
+      <p:cxnSp>
+        <p:nvCxnSpPr>
+          <p:cNvPr id="45" name="Straight Arrow Connector 44">
+            <a:extLst>
+              <a:ext uri="{FF2B5EF4-FFF2-40B4-BE49-F238E27FC236}">
+                <a16:creationId xmlns:a16="http://schemas.microsoft.com/office/drawing/2014/main" id="{3291919F-6AE2-22CE-20AF-4A09D15AD812}"/>
+              </a:ext>
+            </a:extLst>
+          </p:cNvPr>
+          <p:cNvCxnSpPr/>
+          <p:nvPr/>
+        </p:nvCxnSpPr>
+        <p:spPr>
+          <a:xfrm>
+            <a:off x="4016065" y="3161138"/>
+            <a:ext cx="59474" cy="1834375"/>
+          </a:xfrm>
+          <a:prstGeom prst="straightConnector1">
+            <a:avLst/>
+          </a:prstGeom>
+          <a:ln>
+            <a:solidFill>
+              <a:srgbClr val="FF0000"/>
+            </a:solidFill>
+            <a:tailEnd type="triangle"/>
+          </a:ln>
+        </p:spPr>
+        <p:style>
+          <a:lnRef idx="1">
+            <a:schemeClr val="accent1"/>
+          </a:lnRef>
+          <a:fillRef idx="0">
+            <a:schemeClr val="accent1"/>
+          </a:fillRef>
+          <a:effectRef idx="0">
+            <a:schemeClr val="accent1"/>
+          </a:effectRef>
+          <a:fontRef idx="minor">
+            <a:schemeClr val="tx1"/>
+          </a:fontRef>
+        </p:style>
+      </p:cxnSp>
+      <p:sp>
+        <p:nvSpPr>
+          <p:cNvPr id="46" name="TextBox 45">
+            <a:extLst>
+              <a:ext uri="{FF2B5EF4-FFF2-40B4-BE49-F238E27FC236}">
+                <a16:creationId xmlns:a16="http://schemas.microsoft.com/office/drawing/2014/main" id="{132AC01F-C507-9B0F-423B-9A06F8ACF6B7}"/>
+              </a:ext>
+            </a:extLst>
+          </p:cNvPr>
+          <p:cNvSpPr txBox="1"/>
+          <p:nvPr/>
+        </p:nvSpPr>
+        <p:spPr>
+          <a:xfrm>
+            <a:off x="3131635" y="4971585"/>
+            <a:ext cx="3363951" cy="1569660"/>
+          </a:xfrm>
+          <a:prstGeom prst="rect">
+            <a:avLst/>
+          </a:prstGeom>
+          <a:noFill/>
+        </p:spPr>
+        <p:txBody>
+          <a:bodyPr rot="0" spcFirstLastPara="0" vertOverflow="overflow" horzOverflow="overflow" vert="horz" wrap="square" lIns="91440" tIns="45720" rIns="91440" bIns="45720" numCol="1" spcCol="0" rtlCol="0" fromWordArt="0" anchor="t" anchorCtr="0" forceAA="0" compatLnSpc="1">
+            <a:prstTxWarp prst="textNoShape">
+              <a:avLst/>
+            </a:prstTxWarp>
+            <a:spAutoFit/>
+          </a:bodyPr>
+          <a:lstStyle/>
+          <a:p>
+            <a:r>
+              <a:rPr lang="ko-KR" altLang="en-US" sz="1600" dirty="0">
                 <a:ea typeface="맑은 고딕"/>
               </a:rPr>
-              <a:t>홀수</a:t>
-            </a:r>
-            <a:r>
-              <a:rPr lang="en-US" altLang="ko-KR" dirty="0">
+              <a:t>귤의 종류당 크기가 다음과 같다. </a:t>
+            </a:r>
+          </a:p>
+          <a:p>
+            <a:r>
+              <a:rPr lang="ko-KR" altLang="en-US" sz="1600" dirty="0">
                 <a:ea typeface="맑은 고딕"/>
               </a:rPr>
-              <a:t> 인 </a:t>
-            </a:r>
-            <a:r>
-              <a:rPr lang="en-US" altLang="ko-KR" dirty="0" err="1">
+              <a:t>1 : 1 </a:t>
+            </a:r>
+          </a:p>
+          <a:p>
+            <a:r>
+              <a:rPr lang="ko-KR" altLang="en-US" sz="1600" dirty="0">
                 <a:ea typeface="맑은 고딕"/>
               </a:rPr>
-              <a:t>경우는</a:t>
-            </a:r>
-            <a:r>
-              <a:rPr lang="en-US" altLang="ko-KR" dirty="0">
+              <a:t>2 : 2</a:t>
+            </a:r>
+          </a:p>
+          <a:p>
+            <a:r>
+              <a:rPr lang="ko-KR" altLang="en-US" sz="1600" dirty="0">
                 <a:ea typeface="맑은 고딕"/>
               </a:rPr>
-              <a:t> </a:t>
-            </a:r>
-            <a:r>
-              <a:rPr lang="en-US" altLang="ko-KR" dirty="0" err="1">
+              <a:t>3 : 2 </a:t>
+            </a:r>
+          </a:p>
+          <a:p>
+            <a:r>
+              <a:rPr lang="ko-KR" altLang="en-US" sz="1600" dirty="0">
                 <a:ea typeface="맑은 고딕"/>
               </a:rPr>
-              <a:t>어떤</a:t>
-            </a:r>
-            <a:r>
-              <a:rPr lang="en-US" altLang="ko-KR" dirty="0">
+              <a:t>4 : 1</a:t>
+            </a:r>
+          </a:p>
+          <a:p>
+            <a:r>
+              <a:rPr lang="ko-KR" altLang="en-US" sz="1600" dirty="0">
                 <a:ea typeface="맑은 고딕"/>
               </a:rPr>
-              <a:t> </a:t>
-            </a:r>
-            <a:r>
-              <a:rPr lang="en-US" altLang="ko-KR" dirty="0" err="1">
+              <a:t>5 : 2</a:t>
+            </a:r>
+          </a:p>
+        </p:txBody>
+      </p:sp>
+      <p:sp>
+        <p:nvSpPr>
+          <p:cNvPr id="47" name="TextBox 46">
+            <a:extLst>
+              <a:ext uri="{FF2B5EF4-FFF2-40B4-BE49-F238E27FC236}">
+                <a16:creationId xmlns:a16="http://schemas.microsoft.com/office/drawing/2014/main" id="{EB94AEC3-1BC0-B138-7846-CC6009384C33}"/>
+              </a:ext>
+            </a:extLst>
+          </p:cNvPr>
+          <p:cNvSpPr txBox="1"/>
+          <p:nvPr/>
+        </p:nvSpPr>
+        <p:spPr>
+          <a:xfrm>
+            <a:off x="6727904" y="4971585"/>
+            <a:ext cx="4720682" cy="1569660"/>
+          </a:xfrm>
+          <a:prstGeom prst="rect">
+            <a:avLst/>
+          </a:prstGeom>
+          <a:noFill/>
+        </p:spPr>
+        <p:txBody>
+          <a:bodyPr rot="0" spcFirstLastPara="0" vertOverflow="overflow" horzOverflow="overflow" vert="horz" wrap="square" lIns="91440" tIns="45720" rIns="91440" bIns="45720" numCol="1" spcCol="0" rtlCol="0" fromWordArt="0" anchor="t" anchorCtr="0" forceAA="0" compatLnSpc="1">
+            <a:prstTxWarp prst="textNoShape">
+              <a:avLst/>
+            </a:prstTxWarp>
+            <a:spAutoFit/>
+          </a:bodyPr>
+          <a:lstStyle/>
+          <a:p>
+            <a:r>
+              <a:rPr lang="ko-KR" altLang="en-US" sz="1600" dirty="0">
                 <a:ea typeface="맑은 고딕"/>
               </a:rPr>
-              <a:t>방식으로도</a:t>
-            </a:r>
-            <a:r>
-              <a:rPr lang="en-US" altLang="ko-KR" dirty="0">
+              <a:t>이때 귤을 6개 판매하기로 정했기 때문에 가장 적은 크기의 종류를 가지기 위해선 같은 크기의 귤을 많은 것부터 넣으며 6을 달성하면 된다.</a:t>
+            </a:r>
+          </a:p>
+          <a:p>
+            <a:endParaRPr lang="ko-KR" altLang="en-US" sz="1600" dirty="0">
+              <a:ea typeface="맑은 고딕"/>
+            </a:endParaRPr>
+          </a:p>
+          <a:p>
+            <a:r>
+              <a:rPr lang="ko-KR" altLang="en-US" sz="1600" dirty="0">
                 <a:ea typeface="맑은 고딕"/>
               </a:rPr>
-              <a:t> </a:t>
-            </a:r>
-            <a:r>
-              <a:rPr lang="en-US" altLang="ko-KR" dirty="0" err="1">
+              <a:t>2,3,5 크기의 귤이 각각 2개씩 있음으로 </a:t>
+            </a:r>
+          </a:p>
+          <a:p>
+            <a:r>
+              <a:rPr lang="ko-KR" altLang="en-US" sz="1600" dirty="0">
                 <a:ea typeface="맑은 고딕"/>
               </a:rPr>
-              <a:t>공평하게</a:t>
-            </a:r>
-            <a:r>
-              <a:rPr lang="en-US" altLang="ko-KR" dirty="0">
-                <a:ea typeface="맑은 고딕"/>
-              </a:rPr>
-              <a:t> </a:t>
-            </a:r>
-            <a:r>
-              <a:rPr lang="en-US" altLang="ko-KR" dirty="0" err="1">
-                <a:ea typeface="맑은 고딕"/>
-              </a:rPr>
-              <a:t>나눌</a:t>
-            </a:r>
-            <a:r>
-              <a:rPr lang="en-US" altLang="ko-KR" dirty="0">
-                <a:ea typeface="맑은 고딕"/>
-              </a:rPr>
-              <a:t> </a:t>
-            </a:r>
-            <a:r>
-              <a:rPr lang="en-US" altLang="ko-KR" dirty="0" err="1">
-                <a:ea typeface="맑은 고딕"/>
-              </a:rPr>
-              <a:t>수가</a:t>
-            </a:r>
-            <a:r>
-              <a:rPr lang="en-US" altLang="ko-KR" dirty="0">
-                <a:ea typeface="맑은 고딕"/>
-              </a:rPr>
-              <a:t> </a:t>
-            </a:r>
-            <a:r>
-              <a:rPr lang="en-US" altLang="ko-KR" dirty="0" err="1">
-                <a:ea typeface="맑은 고딕"/>
-              </a:rPr>
-              <a:t>없다</a:t>
-            </a:r>
-            <a:r>
-              <a:rPr lang="en-US" altLang="ko-KR" dirty="0">
-                <a:ea typeface="맑은 고딕"/>
-              </a:rPr>
-              <a:t>.</a:t>
+              <a:t>2개씩 3종류를 담는 것이 최소 종류의 경우의 수 </a:t>
             </a:r>
           </a:p>
         </p:txBody>
@@ -8637,7 +8408,7 @@
     </p:spTree>
     <p:extLst>
       <p:ext uri="{BB962C8B-B14F-4D97-AF65-F5344CB8AC3E}">
-        <p14:creationId xmlns:p14="http://schemas.microsoft.com/office/powerpoint/2010/main" val="607485266"/>
+        <p14:creationId xmlns:p14="http://schemas.microsoft.com/office/powerpoint/2010/main" val="2047724785"/>
       </p:ext>
     </p:extLst>
   </p:cSld>
